--- a/PUISI_Kowalska_Suchta.pptx
+++ b/PUISI_Kowalska_Suchta.pptx
@@ -313,7 +313,7 @@
           <a:p>
             <a:fld id="{04DCBC42-6563-49C0-9AB0-0B46679F5AB4}" type="datetimeFigureOut">
               <a:rPr lang="en-US" smtClean="0"/>
-              <a:t>2/17/2024</a:t>
+              <a:t>2/18/2024</a:t>
             </a:fld>
             <a:endParaRPr lang="en-US"/>
           </a:p>
@@ -10853,7 +10853,7 @@
         <p:spPr>
           <a:xfrm>
             <a:off x="2827293" y="6610178"/>
-            <a:ext cx="19880307" cy="3908762"/>
+            <a:ext cx="19880307" cy="4401205"/>
           </a:xfrm>
           <a:prstGeom prst="rect">
             <a:avLst/>
@@ -10936,7 +10936,7 @@
                 <a:latin typeface="+mj-lt"/>
                 <a:cs typeface="Poppins" panose="02000000000000000000" pitchFamily="2" charset="0"/>
               </a:rPr>
-              <a:t>Augmentację zastosowano do danych uczących oraz walidacyjnych. Parametry uczenia pozostały bez zmiany. Na podstawie opisanych zmian przeprowadzono nowy proces uczenia osiągając dużo gorsze wyniki dla danych treningowych oraz walidacyjnych dla tej samej liczby epok. Na tej podstawie zwiększono liczbę epok do 50.</a:t>
+              <a:t>Augmentację zastosowano do danych uczących oraz walidacyjnych. Parametry uczenia pozostały bez zmiany. Na podstawie opisanych zmian przeprowadzono nowy proces uczenia osiągając gorsze wyniki dla danych treningowych oraz walidacyjnych dla tej samej liczby epok. Na tej podstawie zwiększono liczbę epok do 40. Po zwiększeniu liczby epok osiągnięto analogiczne wyniki dokładności oraz funkcji straty.</a:t>
             </a:r>
           </a:p>
         </p:txBody>
@@ -10951,11 +10951,11 @@
   <p:clrMapOvr>
     <a:masterClrMapping/>
   </p:clrMapOvr>
-  <mc:AlternateContent xmlns:mc="http://schemas.openxmlformats.org/markup-compatibility/2006">
-    <mc:Choice xmlns:p14="http://schemas.microsoft.com/office/powerpoint/2010/main" Requires="p14">
+  <mc:AlternateContent xmlns:mc="http://schemas.openxmlformats.org/markup-compatibility/2006" xmlns:p14="http://schemas.microsoft.com/office/powerpoint/2010/main">
+    <mc:Choice Requires="p14">
       <p:transition p14:dur="10"/>
     </mc:Choice>
-    <mc:Fallback>
+    <mc:Fallback xmlns="">
       <p:transition/>
     </mc:Fallback>
   </mc:AlternateContent>
@@ -11086,6 +11086,42 @@
           </a:fontRef>
         </p:style>
       </p:cxnSp>
+      <p:pic>
+        <p:nvPicPr>
+          <p:cNvPr id="5" name="Obraz 4">
+            <a:extLst>
+              <a:ext uri="{FF2B5EF4-FFF2-40B4-BE49-F238E27FC236}">
+                <a16:creationId xmlns:a16="http://schemas.microsoft.com/office/drawing/2014/main" id="{6D056D54-97CF-E1A4-308D-7505F87370F2}"/>
+              </a:ext>
+            </a:extLst>
+          </p:cNvPr>
+          <p:cNvPicPr>
+            <a:picLocks noChangeAspect="1"/>
+          </p:cNvPicPr>
+          <p:nvPr/>
+        </p:nvPicPr>
+        <p:blipFill>
+          <a:blip r:embed="rId3">
+            <a:extLst>
+              <a:ext uri="{28A0092B-C50C-407E-A947-70E740481C1C}">
+                <a14:useLocalDpi xmlns:a14="http://schemas.microsoft.com/office/drawing/2010/main" val="0"/>
+              </a:ext>
+            </a:extLst>
+          </a:blip>
+          <a:stretch>
+            <a:fillRect/>
+          </a:stretch>
+        </p:blipFill>
+        <p:spPr>
+          <a:xfrm>
+            <a:off x="2485292" y="1891777"/>
+            <a:ext cx="19413416" cy="9932445"/>
+          </a:xfrm>
+          <a:prstGeom prst="rect">
+            <a:avLst/>
+          </a:prstGeom>
+        </p:spPr>
+      </p:pic>
     </p:spTree>
     <p:extLst>
       <p:ext uri="{BB962C8B-B14F-4D97-AF65-F5344CB8AC3E}">
@@ -11096,11 +11132,11 @@
   <p:clrMapOvr>
     <a:masterClrMapping/>
   </p:clrMapOvr>
-  <mc:AlternateContent xmlns:mc="http://schemas.openxmlformats.org/markup-compatibility/2006">
-    <mc:Choice xmlns:p14="http://schemas.microsoft.com/office/powerpoint/2010/main" Requires="p14">
+  <mc:AlternateContent xmlns:mc="http://schemas.openxmlformats.org/markup-compatibility/2006" xmlns:p14="http://schemas.microsoft.com/office/powerpoint/2010/main">
+    <mc:Choice Requires="p14">
       <p:transition p14:dur="10"/>
     </mc:Choice>
-    <mc:Fallback>
+    <mc:Fallback xmlns="">
       <p:transition/>
     </mc:Fallback>
   </mc:AlternateContent>
@@ -11272,7 +11308,7 @@
                 <a:latin typeface="+mj-lt"/>
                 <a:cs typeface="Poppins" panose="02000000000000000000" pitchFamily="2" charset="0"/>
               </a:rPr>
-              <a:t>Augmentacja danych nie poprawiła zachowania się sieci. Znaki drogowe są bardzo specyficzną kategorią obrazów do rozróżniania, a augmentacja danych powoduje spadek jakości uczenia – uczenie staje się wolniejsze i osiąga niższy poziom dokładności. Z tego powodu należało przyjąć, że optymalną sieć do rozpoznawania obrazów stanowi sieć </a:t>
+              <a:t>Augmentacja danych nie poprawiła zachowania się sieci. Znaki drogowe są bardzo specyficzną kategorią obrazów do rozróżniania, a augmentacja danych powoduje spadek jakości uczenia – uczenie staje się znacznie wolniejsze nie osiągając wyższego poziomu dokładności. Z tego powodu należało przyjąć, że optymalną sieć do rozpoznawania obrazów stanowi sieć </a:t>
             </a:r>
             <a:r>
               <a:rPr lang="pl-PL" sz="3200" dirty="0" err="1">
@@ -11307,11 +11343,11 @@
   <p:clrMapOvr>
     <a:masterClrMapping/>
   </p:clrMapOvr>
-  <mc:AlternateContent xmlns:mc="http://schemas.openxmlformats.org/markup-compatibility/2006">
-    <mc:Choice xmlns:p14="http://schemas.microsoft.com/office/powerpoint/2010/main" Requires="p14">
+  <mc:AlternateContent xmlns:mc="http://schemas.openxmlformats.org/markup-compatibility/2006" xmlns:p14="http://schemas.microsoft.com/office/powerpoint/2010/main">
+    <mc:Choice Requires="p14">
       <p:transition p14:dur="10"/>
     </mc:Choice>
-    <mc:Fallback>
+    <mc:Fallback xmlns="">
       <p:transition/>
     </mc:Fallback>
   </mc:AlternateContent>
@@ -11695,11 +11731,11 @@
   <p:clrMapOvr>
     <a:masterClrMapping/>
   </p:clrMapOvr>
-  <mc:AlternateContent xmlns:mc="http://schemas.openxmlformats.org/markup-compatibility/2006">
-    <mc:Choice xmlns:p14="http://schemas.microsoft.com/office/powerpoint/2010/main" Requires="p14">
+  <mc:AlternateContent xmlns:mc="http://schemas.openxmlformats.org/markup-compatibility/2006" xmlns:p14="http://schemas.microsoft.com/office/powerpoint/2010/main">
+    <mc:Choice Requires="p14">
       <p:transition p14:dur="10"/>
     </mc:Choice>
-    <mc:Fallback>
+    <mc:Fallback xmlns="">
       <p:transition/>
     </mc:Fallback>
   </mc:AlternateContent>
@@ -11886,11 +11922,11 @@
   <p:clrMapOvr>
     <a:masterClrMapping/>
   </p:clrMapOvr>
-  <mc:AlternateContent xmlns:mc="http://schemas.openxmlformats.org/markup-compatibility/2006">
-    <mc:Choice xmlns:p14="http://schemas.microsoft.com/office/powerpoint/2010/main" Requires="p14">
+  <mc:AlternateContent xmlns:mc="http://schemas.openxmlformats.org/markup-compatibility/2006" xmlns:p14="http://schemas.microsoft.com/office/powerpoint/2010/main">
+    <mc:Choice Requires="p14">
       <p:transition p14:dur="10"/>
     </mc:Choice>
-    <mc:Fallback>
+    <mc:Fallback xmlns="">
       <p:transition/>
     </mc:Fallback>
   </mc:AlternateContent>
@@ -12077,11 +12113,11 @@
   <p:clrMapOvr>
     <a:masterClrMapping/>
   </p:clrMapOvr>
-  <mc:AlternateContent xmlns:mc="http://schemas.openxmlformats.org/markup-compatibility/2006">
-    <mc:Choice xmlns:p14="http://schemas.microsoft.com/office/powerpoint/2010/main" Requires="p14">
+  <mc:AlternateContent xmlns:mc="http://schemas.openxmlformats.org/markup-compatibility/2006" xmlns:p14="http://schemas.microsoft.com/office/powerpoint/2010/main">
+    <mc:Choice Requires="p14">
       <p:transition p14:dur="10"/>
     </mc:Choice>
-    <mc:Fallback>
+    <mc:Fallback xmlns="">
       <p:transition/>
     </mc:Fallback>
   </mc:AlternateContent>
@@ -12268,11 +12304,11 @@
   <p:clrMapOvr>
     <a:masterClrMapping/>
   </p:clrMapOvr>
-  <mc:AlternateContent xmlns:mc="http://schemas.openxmlformats.org/markup-compatibility/2006">
-    <mc:Choice xmlns:p14="http://schemas.microsoft.com/office/powerpoint/2010/main" Requires="p14">
+  <mc:AlternateContent xmlns:mc="http://schemas.openxmlformats.org/markup-compatibility/2006" xmlns:p14="http://schemas.microsoft.com/office/powerpoint/2010/main">
+    <mc:Choice Requires="p14">
       <p:transition p14:dur="10"/>
     </mc:Choice>
-    <mc:Fallback>
+    <mc:Fallback xmlns="">
       <p:transition/>
     </mc:Fallback>
   </mc:AlternateContent>
@@ -12459,11 +12495,11 @@
   <p:clrMapOvr>
     <a:masterClrMapping/>
   </p:clrMapOvr>
-  <mc:AlternateContent xmlns:mc="http://schemas.openxmlformats.org/markup-compatibility/2006">
-    <mc:Choice xmlns:p14="http://schemas.microsoft.com/office/powerpoint/2010/main" Requires="p14">
+  <mc:AlternateContent xmlns:mc="http://schemas.openxmlformats.org/markup-compatibility/2006" xmlns:p14="http://schemas.microsoft.com/office/powerpoint/2010/main">
+    <mc:Choice Requires="p14">
       <p:transition p14:dur="10"/>
     </mc:Choice>
-    <mc:Fallback>
+    <mc:Fallback xmlns="">
       <p:transition/>
     </mc:Fallback>
   </mc:AlternateContent>
@@ -12967,11 +13003,11 @@
   <p:clrMapOvr>
     <a:masterClrMapping/>
   </p:clrMapOvr>
-  <mc:AlternateContent xmlns:mc="http://schemas.openxmlformats.org/markup-compatibility/2006">
-    <mc:Choice xmlns:p14="http://schemas.microsoft.com/office/powerpoint/2010/main" Requires="p14">
+  <mc:AlternateContent xmlns:mc="http://schemas.openxmlformats.org/markup-compatibility/2006" xmlns:p14="http://schemas.microsoft.com/office/powerpoint/2010/main">
+    <mc:Choice Requires="p14">
       <p:transition p14:dur="10"/>
     </mc:Choice>
-    <mc:Fallback>
+    <mc:Fallback xmlns="">
       <p:transition/>
     </mc:Fallback>
   </mc:AlternateContent>
@@ -13158,11 +13194,11 @@
   <p:clrMapOvr>
     <a:masterClrMapping/>
   </p:clrMapOvr>
-  <mc:AlternateContent xmlns:mc="http://schemas.openxmlformats.org/markup-compatibility/2006">
-    <mc:Choice xmlns:p14="http://schemas.microsoft.com/office/powerpoint/2010/main" Requires="p14">
+  <mc:AlternateContent xmlns:mc="http://schemas.openxmlformats.org/markup-compatibility/2006" xmlns:p14="http://schemas.microsoft.com/office/powerpoint/2010/main">
+    <mc:Choice Requires="p14">
       <p:transition p14:dur="10"/>
     </mc:Choice>
-    <mc:Fallback>
+    <mc:Fallback xmlns="">
       <p:transition/>
     </mc:Fallback>
   </mc:AlternateContent>
@@ -13379,11 +13415,11 @@
   <p:clrMapOvr>
     <a:masterClrMapping/>
   </p:clrMapOvr>
-  <mc:AlternateContent xmlns:mc="http://schemas.openxmlformats.org/markup-compatibility/2006">
-    <mc:Choice xmlns:p14="http://schemas.microsoft.com/office/powerpoint/2010/main" Requires="p14">
+  <mc:AlternateContent xmlns:mc="http://schemas.openxmlformats.org/markup-compatibility/2006" xmlns:p14="http://schemas.microsoft.com/office/powerpoint/2010/main">
+    <mc:Choice Requires="p14">
       <p:transition p14:dur="10"/>
     </mc:Choice>
-    <mc:Fallback>
+    <mc:Fallback xmlns="">
       <p:transition/>
     </mc:Fallback>
   </mc:AlternateContent>
@@ -13610,11 +13646,11 @@
   <p:clrMapOvr>
     <a:masterClrMapping/>
   </p:clrMapOvr>
-  <mc:AlternateContent xmlns:mc="http://schemas.openxmlformats.org/markup-compatibility/2006">
-    <mc:Choice xmlns:p14="http://schemas.microsoft.com/office/powerpoint/2010/main" Requires="p14">
+  <mc:AlternateContent xmlns:mc="http://schemas.openxmlformats.org/markup-compatibility/2006" xmlns:p14="http://schemas.microsoft.com/office/powerpoint/2010/main">
+    <mc:Choice Requires="p14">
       <p:transition p14:dur="10"/>
     </mc:Choice>
-    <mc:Fallback>
+    <mc:Fallback xmlns="">
       <p:transition/>
     </mc:Fallback>
   </mc:AlternateContent>
@@ -13785,11 +13821,11 @@
   <p:clrMapOvr>
     <a:masterClrMapping/>
   </p:clrMapOvr>
-  <mc:AlternateContent xmlns:mc="http://schemas.openxmlformats.org/markup-compatibility/2006">
-    <mc:Choice xmlns:p14="http://schemas.microsoft.com/office/powerpoint/2010/main" Requires="p14">
+  <mc:AlternateContent xmlns:mc="http://schemas.openxmlformats.org/markup-compatibility/2006" xmlns:p14="http://schemas.microsoft.com/office/powerpoint/2010/main">
+    <mc:Choice Requires="p14">
       <p:transition p14:dur="10"/>
     </mc:Choice>
-    <mc:Fallback>
+    <mc:Fallback xmlns="">
       <p:transition/>
     </mc:Fallback>
   </mc:AlternateContent>
@@ -13996,11 +14032,11 @@
   <p:clrMapOvr>
     <a:masterClrMapping/>
   </p:clrMapOvr>
-  <mc:AlternateContent xmlns:mc="http://schemas.openxmlformats.org/markup-compatibility/2006">
-    <mc:Choice xmlns:p14="http://schemas.microsoft.com/office/powerpoint/2010/main" Requires="p14">
+  <mc:AlternateContent xmlns:mc="http://schemas.openxmlformats.org/markup-compatibility/2006" xmlns:p14="http://schemas.microsoft.com/office/powerpoint/2010/main">
+    <mc:Choice Requires="p14">
       <p:transition p14:dur="10"/>
     </mc:Choice>
-    <mc:Fallback>
+    <mc:Fallback xmlns="">
       <p:transition/>
     </mc:Fallback>
   </mc:AlternateContent>
@@ -14177,11 +14213,11 @@
   <p:clrMapOvr>
     <a:masterClrMapping/>
   </p:clrMapOvr>
-  <mc:AlternateContent xmlns:mc="http://schemas.openxmlformats.org/markup-compatibility/2006">
-    <mc:Choice xmlns:p14="http://schemas.microsoft.com/office/powerpoint/2010/main" Requires="p14">
+  <mc:AlternateContent xmlns:mc="http://schemas.openxmlformats.org/markup-compatibility/2006" xmlns:p14="http://schemas.microsoft.com/office/powerpoint/2010/main">
+    <mc:Choice Requires="p14">
       <p:transition p14:dur="10"/>
     </mc:Choice>
-    <mc:Fallback>
+    <mc:Fallback xmlns="">
       <p:transition/>
     </mc:Fallback>
   </mc:AlternateContent>

--- a/PUISI_Kowalska_Suchta.pptx
+++ b/PUISI_Kowalska_Suchta.pptx
@@ -5,10 +5,10 @@
     <p:sldMasterId id="2147483660" r:id="rId1"/>
   </p:sldMasterIdLst>
   <p:notesMasterIdLst>
-    <p:notesMasterId r:id="rId20"/>
+    <p:notesMasterId r:id="rId27"/>
   </p:notesMasterIdLst>
   <p:handoutMasterIdLst>
-    <p:handoutMasterId r:id="rId21"/>
+    <p:handoutMasterId r:id="rId28"/>
   </p:handoutMasterIdLst>
   <p:sldIdLst>
     <p:sldId id="392" r:id="rId2"/>
@@ -22,13 +22,20 @@
     <p:sldId id="401" r:id="rId10"/>
     <p:sldId id="402" r:id="rId11"/>
     <p:sldId id="403" r:id="rId12"/>
-    <p:sldId id="405" r:id="rId13"/>
-    <p:sldId id="404" r:id="rId14"/>
-    <p:sldId id="406" r:id="rId15"/>
-    <p:sldId id="407" r:id="rId16"/>
-    <p:sldId id="408" r:id="rId17"/>
-    <p:sldId id="409" r:id="rId18"/>
-    <p:sldId id="321" r:id="rId19"/>
+    <p:sldId id="410" r:id="rId13"/>
+    <p:sldId id="411" r:id="rId14"/>
+    <p:sldId id="404" r:id="rId15"/>
+    <p:sldId id="406" r:id="rId16"/>
+    <p:sldId id="407" r:id="rId17"/>
+    <p:sldId id="412" r:id="rId18"/>
+    <p:sldId id="408" r:id="rId19"/>
+    <p:sldId id="409" r:id="rId20"/>
+    <p:sldId id="415" r:id="rId21"/>
+    <p:sldId id="414" r:id="rId22"/>
+    <p:sldId id="413" r:id="rId23"/>
+    <p:sldId id="416" r:id="rId24"/>
+    <p:sldId id="417" r:id="rId25"/>
+    <p:sldId id="418" r:id="rId26"/>
   </p:sldIdLst>
   <p:sldSz cx="24384000" cy="13716000"/>
   <p:notesSz cx="9144000" cy="6858000"/>
@@ -143,13 +150,20 @@
             <p14:sldId id="401"/>
             <p14:sldId id="402"/>
             <p14:sldId id="403"/>
-            <p14:sldId id="405"/>
+            <p14:sldId id="410"/>
+            <p14:sldId id="411"/>
             <p14:sldId id="404"/>
             <p14:sldId id="406"/>
             <p14:sldId id="407"/>
+            <p14:sldId id="412"/>
             <p14:sldId id="408"/>
             <p14:sldId id="409"/>
-            <p14:sldId id="321"/>
+            <p14:sldId id="415"/>
+            <p14:sldId id="414"/>
+            <p14:sldId id="413"/>
+            <p14:sldId id="416"/>
+            <p14:sldId id="417"/>
+            <p14:sldId id="418"/>
           </p14:sldIdLst>
         </p14:section>
       </p14:sectionLst>
@@ -313,7 +327,7 @@
           <a:p>
             <a:fld id="{04DCBC42-6563-49C0-9AB0-0B46679F5AB4}" type="datetimeFigureOut">
               <a:rPr lang="en-US" smtClean="0"/>
-              <a:t>2/18/2024</a:t>
+              <a:t>2/21/2024</a:t>
             </a:fld>
             <a:endParaRPr lang="en-US"/>
           </a:p>
@@ -11165,7 +11179,7 @@
         <p:cNvPr id="1" name="">
           <a:extLst>
             <a:ext uri="{FF2B5EF4-FFF2-40B4-BE49-F238E27FC236}">
-              <a16:creationId xmlns:a16="http://schemas.microsoft.com/office/drawing/2014/main" id="{6AFFA938-A2EC-F561-E51C-B5F03EEE7435}"/>
+              <a16:creationId xmlns:a16="http://schemas.microsoft.com/office/drawing/2014/main" id="{8D428294-3AA3-78D3-9CE2-0A01D5FB0156}"/>
             </a:ext>
           </a:extLst>
         </p:cNvPr>
@@ -11185,7 +11199,7 @@
           <p:cNvPr id="2" name="TextBox 1">
             <a:extLst>
               <a:ext uri="{FF2B5EF4-FFF2-40B4-BE49-F238E27FC236}">
-                <a16:creationId xmlns:a16="http://schemas.microsoft.com/office/drawing/2014/main" id="{9869461A-B48B-467B-D0A2-F4D115502135}"/>
+                <a16:creationId xmlns:a16="http://schemas.microsoft.com/office/drawing/2014/main" id="{D07EAB16-EC08-92EB-1E67-5129134FA379}"/>
               </a:ext>
             </a:extLst>
           </p:cNvPr>
@@ -11231,7 +11245,7 @@
           <p:cNvPr id="4" name="Straight Connector 3">
             <a:extLst>
               <a:ext uri="{FF2B5EF4-FFF2-40B4-BE49-F238E27FC236}">
-                <a16:creationId xmlns:a16="http://schemas.microsoft.com/office/drawing/2014/main" id="{74927773-5AC1-7169-0105-0E2EA8C84E07}"/>
+                <a16:creationId xmlns:a16="http://schemas.microsoft.com/office/drawing/2014/main" id="{179481E0-AC71-275D-89F0-224BF4CBB522}"/>
               </a:ext>
             </a:extLst>
           </p:cNvPr>
@@ -11272,7 +11286,7 @@
           <p:cNvPr id="5" name="TextBox 4">
             <a:extLst>
               <a:ext uri="{FF2B5EF4-FFF2-40B4-BE49-F238E27FC236}">
-                <a16:creationId xmlns:a16="http://schemas.microsoft.com/office/drawing/2014/main" id="{2368CFBC-9F3D-252C-2886-23A01A71E417}"/>
+                <a16:creationId xmlns:a16="http://schemas.microsoft.com/office/drawing/2014/main" id="{1606795F-4EF8-456C-03E1-4A0C18AD5D16}"/>
               </a:ext>
             </a:extLst>
           </p:cNvPr>
@@ -11282,7 +11296,7 @@
         <p:spPr>
           <a:xfrm>
             <a:off x="2827293" y="6610178"/>
-            <a:ext cx="19880307" cy="1969770"/>
+            <a:ext cx="19880307" cy="3908762"/>
           </a:xfrm>
           <a:prstGeom prst="rect">
             <a:avLst/>
@@ -11331,23 +11345,40 @@
               <a:t> ze zbiorem danych bez augmentacji.</a:t>
             </a:r>
           </a:p>
+          <a:p>
+            <a:pPr>
+              <a:spcAft>
+                <a:spcPts val="3600"/>
+              </a:spcAft>
+            </a:pPr>
+            <a:r>
+              <a:rPr lang="pl-PL" sz="3200" dirty="0">
+                <a:solidFill>
+                  <a:schemeClr val="bg1"/>
+                </a:solidFill>
+                <a:latin typeface="+mj-lt"/>
+                <a:cs typeface="Poppins" panose="02000000000000000000" pitchFamily="2" charset="0"/>
+              </a:rPr>
+              <a:t>Oprócz tego efekty uczenia sprawdzono na zbiorze testowym, w którym dodatkowo umieszczono zdjęcia wybrane przez prowadzącego. Wynik sprawdzenia przedstawiono w postaci macierzy pomyłek, która potwierdziła lepsze zachowanie się sieci bez augmentacji.</a:t>
+            </a:r>
+          </a:p>
         </p:txBody>
       </p:sp>
     </p:spTree>
     <p:extLst>
       <p:ext uri="{BB962C8B-B14F-4D97-AF65-F5344CB8AC3E}">
-        <p14:creationId xmlns:p14="http://schemas.microsoft.com/office/powerpoint/2010/main" val="404138352"/>
+        <p14:creationId xmlns:p14="http://schemas.microsoft.com/office/powerpoint/2010/main" val="992466566"/>
       </p:ext>
     </p:extLst>
   </p:cSld>
   <p:clrMapOvr>
     <a:masterClrMapping/>
   </p:clrMapOvr>
-  <mc:AlternateContent xmlns:mc="http://schemas.openxmlformats.org/markup-compatibility/2006" xmlns:p14="http://schemas.microsoft.com/office/powerpoint/2010/main">
-    <mc:Choice Requires="p14">
+  <mc:AlternateContent xmlns:mc="http://schemas.openxmlformats.org/markup-compatibility/2006">
+    <mc:Choice xmlns:p14="http://schemas.microsoft.com/office/powerpoint/2010/main" Requires="p14">
       <p:transition p14:dur="10"/>
     </mc:Choice>
-    <mc:Fallback xmlns="">
+    <mc:Fallback>
       <p:transition/>
     </mc:Fallback>
   </mc:AlternateContent>
@@ -11355,6 +11386,181 @@
 </file>
 
 <file path=ppt/slides/slide13.xml><?xml version="1.0" encoding="utf-8"?>
+<p:sld xmlns:a="http://schemas.openxmlformats.org/drawingml/2006/main" xmlns:r="http://schemas.openxmlformats.org/officeDocument/2006/relationships" xmlns:p="http://schemas.openxmlformats.org/presentationml/2006/main" showMasterSp="0">
+  <p:cSld>
+    <p:bg>
+      <p:bgPr>
+        <a:blipFill dpi="0" rotWithShape="1">
+          <a:blip r:embed="rId2">
+            <a:lum/>
+          </a:blip>
+          <a:srcRect/>
+          <a:stretch>
+            <a:fillRect/>
+          </a:stretch>
+        </a:blipFill>
+        <a:effectLst/>
+      </p:bgPr>
+    </p:bg>
+    <p:spTree>
+      <p:nvGrpSpPr>
+        <p:cNvPr id="1" name="">
+          <a:extLst>
+            <a:ext uri="{FF2B5EF4-FFF2-40B4-BE49-F238E27FC236}">
+              <a16:creationId xmlns:a16="http://schemas.microsoft.com/office/drawing/2014/main" id="{386364C1-3654-5F87-178A-B08036908CB7}"/>
+            </a:ext>
+          </a:extLst>
+        </p:cNvPr>
+        <p:cNvGrpSpPr/>
+        <p:nvPr/>
+      </p:nvGrpSpPr>
+      <p:grpSpPr>
+        <a:xfrm>
+          <a:off x="0" y="0"/>
+          <a:ext cx="0" cy="0"/>
+          <a:chOff x="0" y="0"/>
+          <a:chExt cx="0" cy="0"/>
+        </a:xfrm>
+      </p:grpSpPr>
+      <p:sp>
+        <p:nvSpPr>
+          <p:cNvPr id="2" name="TextBox 1">
+            <a:extLst>
+              <a:ext uri="{FF2B5EF4-FFF2-40B4-BE49-F238E27FC236}">
+                <a16:creationId xmlns:a16="http://schemas.microsoft.com/office/drawing/2014/main" id="{9AD8E129-4ED8-0EA5-9908-DB3D1F46FA0C}"/>
+              </a:ext>
+            </a:extLst>
+          </p:cNvPr>
+          <p:cNvSpPr txBox="1"/>
+          <p:nvPr/>
+        </p:nvSpPr>
+        <p:spPr>
+          <a:xfrm>
+            <a:off x="2827292" y="2561209"/>
+            <a:ext cx="15759646" cy="1107996"/>
+          </a:xfrm>
+          <a:prstGeom prst="rect">
+            <a:avLst/>
+          </a:prstGeom>
+          <a:noFill/>
+        </p:spPr>
+        <p:txBody>
+          <a:bodyPr wrap="square" lIns="0" tIns="0" rIns="0" bIns="0" rtlCol="0">
+            <a:spAutoFit/>
+          </a:bodyPr>
+          <a:lstStyle/>
+          <a:p>
+            <a:r>
+              <a:rPr lang="pl-PL" sz="7200" b="1" dirty="0">
+                <a:solidFill>
+                  <a:schemeClr val="bg1"/>
+                </a:solidFill>
+                <a:cs typeface="Poppins SemiBold" panose="02000000000000000000" pitchFamily="2" charset="0"/>
+              </a:rPr>
+              <a:t>Wnioski z augmentacji danych</a:t>
+            </a:r>
+            <a:endParaRPr lang="en-US" sz="7200" b="1" dirty="0">
+              <a:solidFill>
+                <a:schemeClr val="bg1"/>
+              </a:solidFill>
+              <a:cs typeface="Poppins SemiBold" panose="02000000000000000000" pitchFamily="2" charset="0"/>
+            </a:endParaRPr>
+          </a:p>
+        </p:txBody>
+      </p:sp>
+      <p:cxnSp>
+        <p:nvCxnSpPr>
+          <p:cNvPr id="4" name="Straight Connector 3">
+            <a:extLst>
+              <a:ext uri="{FF2B5EF4-FFF2-40B4-BE49-F238E27FC236}">
+                <a16:creationId xmlns:a16="http://schemas.microsoft.com/office/drawing/2014/main" id="{EB92AFE7-E287-080D-6A8E-593B6F0A81FD}"/>
+              </a:ext>
+            </a:extLst>
+          </p:cNvPr>
+          <p:cNvCxnSpPr/>
+          <p:nvPr/>
+        </p:nvCxnSpPr>
+        <p:spPr>
+          <a:xfrm flipH="1">
+            <a:off x="0" y="3135631"/>
+            <a:ext cx="1674813" cy="0"/>
+          </a:xfrm>
+          <a:prstGeom prst="line">
+            <a:avLst/>
+          </a:prstGeom>
+          <a:ln w="76200">
+            <a:solidFill>
+              <a:srgbClr val="FBBA00"/>
+            </a:solidFill>
+          </a:ln>
+        </p:spPr>
+        <p:style>
+          <a:lnRef idx="1">
+            <a:schemeClr val="accent1"/>
+          </a:lnRef>
+          <a:fillRef idx="0">
+            <a:schemeClr val="accent1"/>
+          </a:fillRef>
+          <a:effectRef idx="0">
+            <a:schemeClr val="accent1"/>
+          </a:effectRef>
+          <a:fontRef idx="minor">
+            <a:schemeClr val="tx1"/>
+          </a:fontRef>
+        </p:style>
+      </p:cxnSp>
+      <p:pic>
+        <p:nvPicPr>
+          <p:cNvPr id="8" name="Obraz 7">
+            <a:extLst>
+              <a:ext uri="{FF2B5EF4-FFF2-40B4-BE49-F238E27FC236}">
+                <a16:creationId xmlns:a16="http://schemas.microsoft.com/office/drawing/2014/main" id="{FE7671C0-8E96-A40B-AE89-241F47421D7A}"/>
+              </a:ext>
+            </a:extLst>
+          </p:cNvPr>
+          <p:cNvPicPr>
+            <a:picLocks noChangeAspect="1"/>
+          </p:cNvPicPr>
+          <p:nvPr/>
+        </p:nvPicPr>
+        <p:blipFill>
+          <a:blip r:embed="rId3"/>
+          <a:stretch>
+            <a:fillRect/>
+          </a:stretch>
+        </p:blipFill>
+        <p:spPr>
+          <a:xfrm>
+            <a:off x="2827292" y="3669205"/>
+            <a:ext cx="17973690" cy="8059377"/>
+          </a:xfrm>
+          <a:prstGeom prst="rect">
+            <a:avLst/>
+          </a:prstGeom>
+        </p:spPr>
+      </p:pic>
+    </p:spTree>
+    <p:extLst>
+      <p:ext uri="{BB962C8B-B14F-4D97-AF65-F5344CB8AC3E}">
+        <p14:creationId xmlns:p14="http://schemas.microsoft.com/office/powerpoint/2010/main" val="675870766"/>
+      </p:ext>
+    </p:extLst>
+  </p:cSld>
+  <p:clrMapOvr>
+    <a:masterClrMapping/>
+  </p:clrMapOvr>
+  <mc:AlternateContent xmlns:mc="http://schemas.openxmlformats.org/markup-compatibility/2006">
+    <mc:Choice xmlns:p14="http://schemas.microsoft.com/office/powerpoint/2010/main" Requires="p14">
+      <p:transition p14:dur="10"/>
+    </mc:Choice>
+    <mc:Fallback>
+      <p:transition/>
+    </mc:Fallback>
+  </mc:AlternateContent>
+</p:sld>
+</file>
+
+<file path=ppt/slides/slide14.xml><?xml version="1.0" encoding="utf-8"?>
 <p:sld xmlns:a="http://schemas.openxmlformats.org/drawingml/2006/main" xmlns:r="http://schemas.openxmlformats.org/officeDocument/2006/relationships" xmlns:p="http://schemas.openxmlformats.org/presentationml/2006/main" showMasterSp="0">
   <p:cSld>
     <p:bg>
@@ -11493,7 +11699,7 @@
         <p:spPr>
           <a:xfrm>
             <a:off x="2827293" y="6610178"/>
-            <a:ext cx="19880307" cy="3908762"/>
+            <a:ext cx="19880307" cy="4893647"/>
           </a:xfrm>
           <a:prstGeom prst="rect">
             <a:avLst/>
@@ -11519,27 +11725,7 @@
                 <a:latin typeface="+mj-lt"/>
                 <a:cs typeface="Poppins" panose="02000000000000000000" pitchFamily="2" charset="0"/>
               </a:rPr>
-              <a:t>W celu przygotowania sieci neuronowej zdolnej do detekcji znaków konieczne było wykorzystanie wcześniej zaprojektowanej sieci. Wybór padł na sieć Resnet50 ze zmodyfikowanymi warstwami. </a:t>
-            </a:r>
-            <a:r>
-              <a:rPr lang="pl-PL" sz="3200" dirty="0" err="1">
-                <a:solidFill>
-                  <a:schemeClr val="bg1"/>
-                </a:solidFill>
-                <a:latin typeface="+mj-lt"/>
-                <a:cs typeface="Poppins" panose="02000000000000000000" pitchFamily="2" charset="0"/>
-              </a:rPr>
-              <a:t>Pretrenowaną</a:t>
-            </a:r>
-            <a:r>
-              <a:rPr lang="pl-PL" sz="3200" dirty="0">
-                <a:solidFill>
-                  <a:schemeClr val="bg1"/>
-                </a:solidFill>
-                <a:latin typeface="+mj-lt"/>
-                <a:cs typeface="Poppins" panose="02000000000000000000" pitchFamily="2" charset="0"/>
-              </a:rPr>
-              <a:t> sieć użyto w detektorze YOLO4 (</a:t>
+              <a:t>W celu przygotowania sieci neuronowej zdolnej do detekcji znaków konieczne było wykorzystanie głębokiej sieci neuronowej oraz odpowiedniego detektora. Wybór padł na detektory YOLOv2 oraz YOLOv4 (</a:t>
             </a:r>
             <a:r>
               <a:rPr lang="pl-PL" sz="3200" dirty="0" err="1">
@@ -11619,7 +11805,27 @@
                 <a:latin typeface="+mj-lt"/>
                 <a:cs typeface="Poppins" panose="02000000000000000000" pitchFamily="2" charset="0"/>
               </a:rPr>
-              <a:t>).</a:t>
+              <a:t>). Aby detektor mógł zadziałać, potrzebował </a:t>
+            </a:r>
+            <a:r>
+              <a:rPr lang="pl-PL" sz="3200" dirty="0" err="1">
+                <a:solidFill>
+                  <a:schemeClr val="bg1"/>
+                </a:solidFill>
+                <a:latin typeface="+mj-lt"/>
+                <a:cs typeface="Poppins" panose="02000000000000000000" pitchFamily="2" charset="0"/>
+              </a:rPr>
+              <a:t>pretrenowanej</a:t>
+            </a:r>
+            <a:r>
+              <a:rPr lang="pl-PL" sz="3200" dirty="0">
+                <a:solidFill>
+                  <a:schemeClr val="bg1"/>
+                </a:solidFill>
+                <a:latin typeface="+mj-lt"/>
+                <a:cs typeface="Poppins" panose="02000000000000000000" pitchFamily="2" charset="0"/>
+              </a:rPr>
+              <a:t> sieci. Po testach wydajności wielu sieci podjęto decyzję o użyciu sieci ResNet50.</a:t>
             </a:r>
           </a:p>
           <a:p>
@@ -11636,7 +11842,7 @@
                 <a:latin typeface="+mj-lt"/>
                 <a:cs typeface="Poppins" panose="02000000000000000000" pitchFamily="2" charset="0"/>
               </a:rPr>
-              <a:t>W przypadku detekcji znaków skorzystano z innego zbioru testowego niż przy rozpoznawaniu znaków. Zbiór obejmował zrzuty ekranu z Google </a:t>
+              <a:t>W przypadku detekcji znaków skorzystano z innego zbioru danych niż przy rozpoznawaniu znaków. Zbiór obejmował zrzuty ekranu z Google </a:t>
             </a:r>
             <a:r>
               <a:rPr lang="pl-PL" sz="3200" dirty="0" err="1">
@@ -11696,7 +11902,7 @@
                 <a:latin typeface="+mj-lt"/>
                 <a:cs typeface="Poppins" panose="02000000000000000000" pitchFamily="2" charset="0"/>
               </a:rPr>
-              <a:t>, na których widoczne były różne obiekty. Następnie ręcznie zaznaczono obszary, w których znajdowały się znaki. Cały zbiór (zdjęcia oraz ramki ograniczające znaki) podzielono na dane treningowe oraz walidacyjne. Zdjęcia pomniejszono do rozmiaru odpowiedniego dla sieci </a:t>
+              <a:t>, na których widoczne były różne obiekty. Liczebność zbioru wynosiła 90 zdjęć. Następnie ręcznie zaznaczono obszary, w których znajdowały się znaki. Cały zbiór (zdjęcia oraz ramki ograniczające znaki) podzielono na dane treningowe, walidacyjne i testowe, a dane testowe i walidacyjne dodatkowo poddano augmentacji. Zdjęcia pomniejszono do rozmiaru odpowiedniego dla sieci </a:t>
             </a:r>
             <a:r>
               <a:rPr lang="pl-PL" sz="3200" dirty="0" err="1">
@@ -11725,197 +11931,6 @@
     <p:extLst>
       <p:ext uri="{BB962C8B-B14F-4D97-AF65-F5344CB8AC3E}">
         <p14:creationId xmlns:p14="http://schemas.microsoft.com/office/powerpoint/2010/main" val="3192190180"/>
-      </p:ext>
-    </p:extLst>
-  </p:cSld>
-  <p:clrMapOvr>
-    <a:masterClrMapping/>
-  </p:clrMapOvr>
-  <mc:AlternateContent xmlns:mc="http://schemas.openxmlformats.org/markup-compatibility/2006" xmlns:p14="http://schemas.microsoft.com/office/powerpoint/2010/main">
-    <mc:Choice Requires="p14">
-      <p:transition p14:dur="10"/>
-    </mc:Choice>
-    <mc:Fallback xmlns="">
-      <p:transition/>
-    </mc:Fallback>
-  </mc:AlternateContent>
-</p:sld>
-</file>
-
-<file path=ppt/slides/slide14.xml><?xml version="1.0" encoding="utf-8"?>
-<p:sld xmlns:a="http://schemas.openxmlformats.org/drawingml/2006/main" xmlns:r="http://schemas.openxmlformats.org/officeDocument/2006/relationships" xmlns:p="http://schemas.openxmlformats.org/presentationml/2006/main" showMasterSp="0">
-  <p:cSld>
-    <p:bg>
-      <p:bgPr>
-        <a:blipFill dpi="0" rotWithShape="1">
-          <a:blip r:embed="rId2">
-            <a:lum/>
-          </a:blip>
-          <a:srcRect/>
-          <a:stretch>
-            <a:fillRect/>
-          </a:stretch>
-        </a:blipFill>
-        <a:effectLst/>
-      </p:bgPr>
-    </p:bg>
-    <p:spTree>
-      <p:nvGrpSpPr>
-        <p:cNvPr id="1" name="">
-          <a:extLst>
-            <a:ext uri="{FF2B5EF4-FFF2-40B4-BE49-F238E27FC236}">
-              <a16:creationId xmlns:a16="http://schemas.microsoft.com/office/drawing/2014/main" id="{5D12A906-3039-3E63-824E-AAF47AA05CE4}"/>
-            </a:ext>
-          </a:extLst>
-        </p:cNvPr>
-        <p:cNvGrpSpPr/>
-        <p:nvPr/>
-      </p:nvGrpSpPr>
-      <p:grpSpPr>
-        <a:xfrm>
-          <a:off x="0" y="0"/>
-          <a:ext cx="0" cy="0"/>
-          <a:chOff x="0" y="0"/>
-          <a:chExt cx="0" cy="0"/>
-        </a:xfrm>
-      </p:grpSpPr>
-      <p:sp>
-        <p:nvSpPr>
-          <p:cNvPr id="2" name="TextBox 1">
-            <a:extLst>
-              <a:ext uri="{FF2B5EF4-FFF2-40B4-BE49-F238E27FC236}">
-                <a16:creationId xmlns:a16="http://schemas.microsoft.com/office/drawing/2014/main" id="{551F97F0-C987-6691-2152-4F6BC8045DF6}"/>
-              </a:ext>
-            </a:extLst>
-          </p:cNvPr>
-          <p:cNvSpPr txBox="1"/>
-          <p:nvPr/>
-        </p:nvSpPr>
-        <p:spPr>
-          <a:xfrm>
-            <a:off x="2827292" y="2561209"/>
-            <a:ext cx="15759646" cy="1107996"/>
-          </a:xfrm>
-          <a:prstGeom prst="rect">
-            <a:avLst/>
-          </a:prstGeom>
-          <a:noFill/>
-        </p:spPr>
-        <p:txBody>
-          <a:bodyPr wrap="square" lIns="0" tIns="0" rIns="0" bIns="0" rtlCol="0">
-            <a:spAutoFit/>
-          </a:bodyPr>
-          <a:lstStyle/>
-          <a:p>
-            <a:r>
-              <a:rPr lang="pl-PL" sz="7200" b="1" dirty="0">
-                <a:solidFill>
-                  <a:schemeClr val="bg1"/>
-                </a:solidFill>
-                <a:cs typeface="Poppins SemiBold" panose="02000000000000000000" pitchFamily="2" charset="0"/>
-              </a:rPr>
-              <a:t>Kolejne kroki</a:t>
-            </a:r>
-            <a:endParaRPr lang="en-US" sz="7200" b="1" dirty="0">
-              <a:solidFill>
-                <a:schemeClr val="bg1"/>
-              </a:solidFill>
-              <a:cs typeface="Poppins SemiBold" panose="02000000000000000000" pitchFamily="2" charset="0"/>
-            </a:endParaRPr>
-          </a:p>
-        </p:txBody>
-      </p:sp>
-      <p:cxnSp>
-        <p:nvCxnSpPr>
-          <p:cNvPr id="4" name="Straight Connector 3">
-            <a:extLst>
-              <a:ext uri="{FF2B5EF4-FFF2-40B4-BE49-F238E27FC236}">
-                <a16:creationId xmlns:a16="http://schemas.microsoft.com/office/drawing/2014/main" id="{EAF70462-272D-9347-A62A-2FB217669ED7}"/>
-              </a:ext>
-            </a:extLst>
-          </p:cNvPr>
-          <p:cNvCxnSpPr/>
-          <p:nvPr/>
-        </p:nvCxnSpPr>
-        <p:spPr>
-          <a:xfrm flipH="1">
-            <a:off x="0" y="3135631"/>
-            <a:ext cx="1674813" cy="0"/>
-          </a:xfrm>
-          <a:prstGeom prst="line">
-            <a:avLst/>
-          </a:prstGeom>
-          <a:ln w="76200">
-            <a:solidFill>
-              <a:srgbClr val="FBBA00"/>
-            </a:solidFill>
-          </a:ln>
-        </p:spPr>
-        <p:style>
-          <a:lnRef idx="1">
-            <a:schemeClr val="accent1"/>
-          </a:lnRef>
-          <a:fillRef idx="0">
-            <a:schemeClr val="accent1"/>
-          </a:fillRef>
-          <a:effectRef idx="0">
-            <a:schemeClr val="accent1"/>
-          </a:effectRef>
-          <a:fontRef idx="minor">
-            <a:schemeClr val="tx1"/>
-          </a:fontRef>
-        </p:style>
-      </p:cxnSp>
-      <p:sp>
-        <p:nvSpPr>
-          <p:cNvPr id="5" name="TextBox 4">
-            <a:extLst>
-              <a:ext uri="{FF2B5EF4-FFF2-40B4-BE49-F238E27FC236}">
-                <a16:creationId xmlns:a16="http://schemas.microsoft.com/office/drawing/2014/main" id="{834AE85C-4B6F-3DCA-DA69-45D221AD32A6}"/>
-              </a:ext>
-            </a:extLst>
-          </p:cNvPr>
-          <p:cNvSpPr txBox="1"/>
-          <p:nvPr/>
-        </p:nvSpPr>
-        <p:spPr>
-          <a:xfrm>
-            <a:off x="2827293" y="6610178"/>
-            <a:ext cx="19880307" cy="492443"/>
-          </a:xfrm>
-          <a:prstGeom prst="rect">
-            <a:avLst/>
-          </a:prstGeom>
-          <a:noFill/>
-        </p:spPr>
-        <p:txBody>
-          <a:bodyPr wrap="square" lIns="0" tIns="0" rIns="0" bIns="0" rtlCol="0">
-            <a:spAutoFit/>
-          </a:bodyPr>
-          <a:lstStyle/>
-          <a:p>
-            <a:pPr>
-              <a:spcAft>
-                <a:spcPts val="3600"/>
-              </a:spcAft>
-            </a:pPr>
-            <a:r>
-              <a:rPr lang="pl-PL" sz="3200" dirty="0">
-                <a:solidFill>
-                  <a:schemeClr val="bg1"/>
-                </a:solidFill>
-                <a:latin typeface="+mj-lt"/>
-                <a:cs typeface="Poppins" panose="02000000000000000000" pitchFamily="2" charset="0"/>
-              </a:rPr>
-              <a:t>…</a:t>
-            </a:r>
-          </a:p>
-        </p:txBody>
-      </p:sp>
-    </p:spTree>
-    <p:extLst>
-      <p:ext uri="{BB962C8B-B14F-4D97-AF65-F5344CB8AC3E}">
-        <p14:creationId xmlns:p14="http://schemas.microsoft.com/office/powerpoint/2010/main" val="3771517126"/>
       </p:ext>
     </p:extLst>
   </p:cSld>
@@ -11955,7 +11970,7 @@
         <p:cNvPr id="1" name="">
           <a:extLst>
             <a:ext uri="{FF2B5EF4-FFF2-40B4-BE49-F238E27FC236}">
-              <a16:creationId xmlns:a16="http://schemas.microsoft.com/office/drawing/2014/main" id="{C413BE0E-7EAE-363B-9E89-19A623C43998}"/>
+              <a16:creationId xmlns:a16="http://schemas.microsoft.com/office/drawing/2014/main" id="{5D12A906-3039-3E63-824E-AAF47AA05CE4}"/>
             </a:ext>
           </a:extLst>
         </p:cNvPr>
@@ -11975,7 +11990,7 @@
           <p:cNvPr id="2" name="TextBox 1">
             <a:extLst>
               <a:ext uri="{FF2B5EF4-FFF2-40B4-BE49-F238E27FC236}">
-                <a16:creationId xmlns:a16="http://schemas.microsoft.com/office/drawing/2014/main" id="{6BDCF05A-75EF-754A-8DDC-E3B31FC6A3CA}"/>
+                <a16:creationId xmlns:a16="http://schemas.microsoft.com/office/drawing/2014/main" id="{551F97F0-C987-6691-2152-4F6BC8045DF6}"/>
               </a:ext>
             </a:extLst>
           </p:cNvPr>
@@ -12005,7 +12020,7 @@
                 </a:solidFill>
                 <a:cs typeface="Poppins SemiBold" panose="02000000000000000000" pitchFamily="2" charset="0"/>
               </a:rPr>
-              <a:t>Kolejne kroki</a:t>
+              <a:t>Augmentacja danych modelu YOLO</a:t>
             </a:r>
             <a:endParaRPr lang="en-US" sz="7200" b="1" dirty="0">
               <a:solidFill>
@@ -12021,7 +12036,7 @@
           <p:cNvPr id="4" name="Straight Connector 3">
             <a:extLst>
               <a:ext uri="{FF2B5EF4-FFF2-40B4-BE49-F238E27FC236}">
-                <a16:creationId xmlns:a16="http://schemas.microsoft.com/office/drawing/2014/main" id="{735AED94-874F-20BD-744D-DF5F1092CE3E}"/>
+                <a16:creationId xmlns:a16="http://schemas.microsoft.com/office/drawing/2014/main" id="{EAF70462-272D-9347-A62A-2FB217669ED7}"/>
               </a:ext>
             </a:extLst>
           </p:cNvPr>
@@ -12062,7 +12077,7 @@
           <p:cNvPr id="5" name="TextBox 4">
             <a:extLst>
               <a:ext uri="{FF2B5EF4-FFF2-40B4-BE49-F238E27FC236}">
-                <a16:creationId xmlns:a16="http://schemas.microsoft.com/office/drawing/2014/main" id="{5463FCC1-8A58-253D-2ACC-76067E95B525}"/>
+                <a16:creationId xmlns:a16="http://schemas.microsoft.com/office/drawing/2014/main" id="{834AE85C-4B6F-3DCA-DA69-45D221AD32A6}"/>
               </a:ext>
             </a:extLst>
           </p:cNvPr>
@@ -12072,7 +12087,7 @@
         <p:spPr>
           <a:xfrm>
             <a:off x="2827293" y="6610178"/>
-            <a:ext cx="19880307" cy="492443"/>
+            <a:ext cx="19880307" cy="3416320"/>
           </a:xfrm>
           <a:prstGeom prst="rect">
             <a:avLst/>
@@ -12098,7 +12113,44 @@
                 <a:latin typeface="+mj-lt"/>
                 <a:cs typeface="Poppins" panose="02000000000000000000" pitchFamily="2" charset="0"/>
               </a:rPr>
-              <a:t>…</a:t>
+              <a:t>W przeciwieństwie do zbioru z modelu dwunastowarstwowego, zbiór dla modelu YOLO składał się nawet w 95% z</a:t>
+            </a:r>
+            <a:r>
+              <a:rPr lang="pl-PL" sz="3200" dirty="0">
+                <a:solidFill>
+                  <a:schemeClr val="bg1"/>
+                </a:solidFill>
+                <a:latin typeface="Calibri" panose="020F0502020204030204" pitchFamily="34" charset="0"/>
+                <a:cs typeface="Calibri" panose="020F0502020204030204" pitchFamily="34" charset="0"/>
+              </a:rPr>
+              <a:t> </a:t>
+            </a:r>
+            <a:r>
+              <a:rPr lang="pl-PL" sz="3200" dirty="0">
+                <a:solidFill>
+                  <a:schemeClr val="bg1"/>
+                </a:solidFill>
+                <a:latin typeface="+mj-lt"/>
+                <a:cs typeface="Poppins" panose="02000000000000000000" pitchFamily="2" charset="0"/>
+              </a:rPr>
+              <a:t>obiektów niebędących znakami. Rodzaj, kolor czy kontrast tych obiektów może wpływać na cechy preferowane przez sieć, chociaż to nie te elementy są podstawą detekcji znaków. </a:t>
+            </a:r>
+          </a:p>
+          <a:p>
+            <a:pPr>
+              <a:spcAft>
+                <a:spcPts val="3600"/>
+              </a:spcAft>
+            </a:pPr>
+            <a:r>
+              <a:rPr lang="pl-PL" sz="3200" dirty="0">
+                <a:solidFill>
+                  <a:schemeClr val="bg1"/>
+                </a:solidFill>
+                <a:latin typeface="+mj-lt"/>
+                <a:cs typeface="Poppins" panose="02000000000000000000" pitchFamily="2" charset="0"/>
+              </a:rPr>
+              <a:t>Dlatego też skorzystano z augmentacji danych, która nie powodowała pochylenia czy przesunięcia obiektów poza obraz. Modyfikacji uległa ich reprezentacja barwna – kontrast, nasycenie kolorów czy dodanie szumu. W niewielkim stopniu dodano także obrót, ponieważ nawet oryginalne zdjęcia posiadały znaki obrócone względem obserwatora.</a:t>
             </a:r>
           </a:p>
         </p:txBody>
@@ -12106,7 +12158,7 @@
     </p:spTree>
     <p:extLst>
       <p:ext uri="{BB962C8B-B14F-4D97-AF65-F5344CB8AC3E}">
-        <p14:creationId xmlns:p14="http://schemas.microsoft.com/office/powerpoint/2010/main" val="1438660421"/>
+        <p14:creationId xmlns:p14="http://schemas.microsoft.com/office/powerpoint/2010/main" val="3771517126"/>
       </p:ext>
     </p:extLst>
   </p:cSld>
@@ -12146,7 +12198,7 @@
         <p:cNvPr id="1" name="">
           <a:extLst>
             <a:ext uri="{FF2B5EF4-FFF2-40B4-BE49-F238E27FC236}">
-              <a16:creationId xmlns:a16="http://schemas.microsoft.com/office/drawing/2014/main" id="{A9AC6C1A-B5A2-F114-3CA9-83FFFFAFD3E8}"/>
+              <a16:creationId xmlns:a16="http://schemas.microsoft.com/office/drawing/2014/main" id="{C413BE0E-7EAE-363B-9E89-19A623C43998}"/>
             </a:ext>
           </a:extLst>
         </p:cNvPr>
@@ -12166,7 +12218,7 @@
           <p:cNvPr id="2" name="TextBox 1">
             <a:extLst>
               <a:ext uri="{FF2B5EF4-FFF2-40B4-BE49-F238E27FC236}">
-                <a16:creationId xmlns:a16="http://schemas.microsoft.com/office/drawing/2014/main" id="{954E090B-1DEB-2476-B600-E68BDD77F96E}"/>
+                <a16:creationId xmlns:a16="http://schemas.microsoft.com/office/drawing/2014/main" id="{6BDCF05A-75EF-754A-8DDC-E3B31FC6A3CA}"/>
               </a:ext>
             </a:extLst>
           </p:cNvPr>
@@ -12196,7 +12248,7 @@
                 </a:solidFill>
                 <a:cs typeface="Poppins SemiBold" panose="02000000000000000000" pitchFamily="2" charset="0"/>
               </a:rPr>
-              <a:t>Kolejne kroki</a:t>
+              <a:t>Struktura sieci ResNet50</a:t>
             </a:r>
             <a:endParaRPr lang="en-US" sz="7200" b="1" dirty="0">
               <a:solidFill>
@@ -12212,7 +12264,7 @@
           <p:cNvPr id="4" name="Straight Connector 3">
             <a:extLst>
               <a:ext uri="{FF2B5EF4-FFF2-40B4-BE49-F238E27FC236}">
-                <a16:creationId xmlns:a16="http://schemas.microsoft.com/office/drawing/2014/main" id="{8C510167-3CAB-D880-3DF2-AD041BA79914}"/>
+                <a16:creationId xmlns:a16="http://schemas.microsoft.com/office/drawing/2014/main" id="{735AED94-874F-20BD-744D-DF5F1092CE3E}"/>
               </a:ext>
             </a:extLst>
           </p:cNvPr>
@@ -12253,7 +12305,7 @@
           <p:cNvPr id="5" name="TextBox 4">
             <a:extLst>
               <a:ext uri="{FF2B5EF4-FFF2-40B4-BE49-F238E27FC236}">
-                <a16:creationId xmlns:a16="http://schemas.microsoft.com/office/drawing/2014/main" id="{C970ED69-6BD8-DCF9-AD0D-929B57BF8234}"/>
+                <a16:creationId xmlns:a16="http://schemas.microsoft.com/office/drawing/2014/main" id="{5463FCC1-8A58-253D-2ACC-76067E95B525}"/>
               </a:ext>
             </a:extLst>
           </p:cNvPr>
@@ -12263,7 +12315,7 @@
         <p:spPr>
           <a:xfrm>
             <a:off x="2827293" y="6610178"/>
-            <a:ext cx="19880307" cy="492443"/>
+            <a:ext cx="19880307" cy="3908762"/>
           </a:xfrm>
           <a:prstGeom prst="rect">
             <a:avLst/>
@@ -12289,7 +12341,104 @@
                 <a:latin typeface="+mj-lt"/>
                 <a:cs typeface="Poppins" panose="02000000000000000000" pitchFamily="2" charset="0"/>
               </a:rPr>
-              <a:t>…</a:t>
+              <a:t>Sieć ResNet50, jak wskazuje nazwa, posiada 50 warstw. Jest to sieć stworzona głównie do pracy z obrazami. Ponieważ w</a:t>
+            </a:r>
+            <a:r>
+              <a:rPr lang="pl-PL" sz="3200" dirty="0">
+                <a:solidFill>
+                  <a:schemeClr val="bg1"/>
+                </a:solidFill>
+                <a:latin typeface="Calibri" panose="020F0502020204030204" pitchFamily="34" charset="0"/>
+                <a:cs typeface="Calibri" panose="020F0502020204030204" pitchFamily="34" charset="0"/>
+              </a:rPr>
+              <a:t> </a:t>
+            </a:r>
+            <a:r>
+              <a:rPr lang="pl-PL" sz="3200" dirty="0">
+                <a:solidFill>
+                  <a:schemeClr val="bg1"/>
+                </a:solidFill>
+                <a:latin typeface="+mj-lt"/>
+                <a:cs typeface="Poppins" panose="02000000000000000000" pitchFamily="2" charset="0"/>
+              </a:rPr>
+              <a:t>projekcie wykorzystywano sieć </a:t>
+            </a:r>
+            <a:r>
+              <a:rPr lang="pl-PL" sz="3200" dirty="0" err="1">
+                <a:solidFill>
+                  <a:schemeClr val="bg1"/>
+                </a:solidFill>
+                <a:latin typeface="+mj-lt"/>
+                <a:cs typeface="Poppins" panose="02000000000000000000" pitchFamily="2" charset="0"/>
+              </a:rPr>
+              <a:t>pretrenowaną</a:t>
+            </a:r>
+            <a:r>
+              <a:rPr lang="pl-PL" sz="3200" dirty="0">
+                <a:solidFill>
+                  <a:schemeClr val="bg1"/>
+                </a:solidFill>
+                <a:latin typeface="+mj-lt"/>
+                <a:cs typeface="Poppins" panose="02000000000000000000" pitchFamily="2" charset="0"/>
+              </a:rPr>
+              <a:t>, zmiany dokonywane były w obrębie warstw początkowych oraz końcowych.</a:t>
+            </a:r>
+          </a:p>
+          <a:p>
+            <a:pPr>
+              <a:spcAft>
+                <a:spcPts val="3600"/>
+              </a:spcAft>
+            </a:pPr>
+            <a:r>
+              <a:rPr lang="pl-PL" sz="3200" dirty="0">
+                <a:solidFill>
+                  <a:schemeClr val="bg1"/>
+                </a:solidFill>
+                <a:latin typeface="+mj-lt"/>
+                <a:cs typeface="Poppins" panose="02000000000000000000" pitchFamily="2" charset="0"/>
+              </a:rPr>
+              <a:t>Zmiany dla warstw początkowych dotyczyły głównie rozmiaru obrazu wejściowego, co wpływa na rozmiar danych w</a:t>
+            </a:r>
+            <a:r>
+              <a:rPr lang="pl-PL" sz="3200" dirty="0">
+                <a:solidFill>
+                  <a:schemeClr val="bg1"/>
+                </a:solidFill>
+                <a:latin typeface="Calibri" panose="020F0502020204030204" pitchFamily="34" charset="0"/>
+                <a:cs typeface="Calibri" panose="020F0502020204030204" pitchFamily="34" charset="0"/>
+              </a:rPr>
+              <a:t> </a:t>
+            </a:r>
+            <a:r>
+              <a:rPr lang="pl-PL" sz="3200" dirty="0">
+                <a:solidFill>
+                  <a:schemeClr val="bg1"/>
+                </a:solidFill>
+                <a:latin typeface="+mj-lt"/>
+                <a:cs typeface="Poppins" panose="02000000000000000000" pitchFamily="2" charset="0"/>
+              </a:rPr>
+              <a:t>kolejnych warstwach sieci. Najistotniejsze z punktu widzenia uczenia zmiany dokonywane były dla końcowych warstw sieci. Najważniejsze zmiany dotyczyły warstw pochodzących bezpośrednio z detektora, a które nie są typowe dla sieci </a:t>
+            </a:r>
+            <a:r>
+              <a:rPr lang="pl-PL" sz="3200" dirty="0" err="1">
+                <a:solidFill>
+                  <a:schemeClr val="bg1"/>
+                </a:solidFill>
+                <a:latin typeface="+mj-lt"/>
+                <a:cs typeface="Poppins" panose="02000000000000000000" pitchFamily="2" charset="0"/>
+              </a:rPr>
+              <a:t>ResNet</a:t>
+            </a:r>
+            <a:r>
+              <a:rPr lang="pl-PL" sz="3200" dirty="0">
+                <a:solidFill>
+                  <a:schemeClr val="bg1"/>
+                </a:solidFill>
+                <a:latin typeface="+mj-lt"/>
+                <a:cs typeface="Poppins" panose="02000000000000000000" pitchFamily="2" charset="0"/>
+              </a:rPr>
+              <a:t> samej w sobie.</a:t>
             </a:r>
           </a:p>
         </p:txBody>
@@ -12297,7 +12446,7 @@
     </p:spTree>
     <p:extLst>
       <p:ext uri="{BB962C8B-B14F-4D97-AF65-F5344CB8AC3E}">
-        <p14:creationId xmlns:p14="http://schemas.microsoft.com/office/powerpoint/2010/main" val="2479049908"/>
+        <p14:creationId xmlns:p14="http://schemas.microsoft.com/office/powerpoint/2010/main" val="1438660421"/>
       </p:ext>
     </p:extLst>
   </p:cSld>
@@ -12337,7 +12486,7 @@
         <p:cNvPr id="1" name="">
           <a:extLst>
             <a:ext uri="{FF2B5EF4-FFF2-40B4-BE49-F238E27FC236}">
-              <a16:creationId xmlns:a16="http://schemas.microsoft.com/office/drawing/2014/main" id="{EA9EAAF1-5646-F4DA-762C-887939BA151C}"/>
+              <a16:creationId xmlns:a16="http://schemas.microsoft.com/office/drawing/2014/main" id="{6DB987D7-8664-7C01-A117-6F8E2D7D6275}"/>
             </a:ext>
           </a:extLst>
         </p:cNvPr>
@@ -12357,7 +12506,7 @@
           <p:cNvPr id="2" name="TextBox 1">
             <a:extLst>
               <a:ext uri="{FF2B5EF4-FFF2-40B4-BE49-F238E27FC236}">
-                <a16:creationId xmlns:a16="http://schemas.microsoft.com/office/drawing/2014/main" id="{54F70D17-9444-0B3E-B207-0E99C762B6A1}"/>
+                <a16:creationId xmlns:a16="http://schemas.microsoft.com/office/drawing/2014/main" id="{173F3BDF-5F6C-1ACD-DC31-78EA74BFE69D}"/>
               </a:ext>
             </a:extLst>
           </p:cNvPr>
@@ -12366,7 +12515,7 @@
         </p:nvSpPr>
         <p:spPr>
           <a:xfrm>
-            <a:off x="2827292" y="2561209"/>
+            <a:off x="2827292" y="433457"/>
             <a:ext cx="15759646" cy="1107996"/>
           </a:xfrm>
           <a:prstGeom prst="rect">
@@ -12387,7 +12536,7 @@
                 </a:solidFill>
                 <a:cs typeface="Poppins SemiBold" panose="02000000000000000000" pitchFamily="2" charset="0"/>
               </a:rPr>
-              <a:t>Kolejne kroki</a:t>
+              <a:t>Struktura sieci ResNet50</a:t>
             </a:r>
             <a:endParaRPr lang="en-US" sz="7200" b="1" dirty="0">
               <a:solidFill>
@@ -12403,7 +12552,7 @@
           <p:cNvPr id="4" name="Straight Connector 3">
             <a:extLst>
               <a:ext uri="{FF2B5EF4-FFF2-40B4-BE49-F238E27FC236}">
-                <a16:creationId xmlns:a16="http://schemas.microsoft.com/office/drawing/2014/main" id="{653C8521-FA33-3D5B-5727-653DFA875570}"/>
+                <a16:creationId xmlns:a16="http://schemas.microsoft.com/office/drawing/2014/main" id="{7A80E844-15D1-A8C6-DF72-BFCE82DB357E}"/>
               </a:ext>
             </a:extLst>
           </p:cNvPr>
@@ -12412,7 +12561,7 @@
         </p:nvCxnSpPr>
         <p:spPr>
           <a:xfrm flipH="1">
-            <a:off x="0" y="3135631"/>
+            <a:off x="0" y="1007879"/>
             <a:ext cx="1674813" cy="0"/>
           </a:xfrm>
           <a:prstGeom prst="line">
@@ -12439,67 +12588,93 @@
           </a:fontRef>
         </p:style>
       </p:cxnSp>
-      <p:sp>
-        <p:nvSpPr>
-          <p:cNvPr id="5" name="TextBox 4">
+      <p:pic>
+        <p:nvPicPr>
+          <p:cNvPr id="3" name="Obraz 2" descr="Obraz zawierający tekst, diagram, linia, zrzut ekranu&#10;&#10;Opis wygenerowany automatycznie">
             <a:extLst>
               <a:ext uri="{FF2B5EF4-FFF2-40B4-BE49-F238E27FC236}">
-                <a16:creationId xmlns:a16="http://schemas.microsoft.com/office/drawing/2014/main" id="{F12F3FF0-75CA-C9CF-DDFC-FC2324EEBF17}"/>
+                <a16:creationId xmlns:a16="http://schemas.microsoft.com/office/drawing/2014/main" id="{CEA06AAA-1C20-91B8-9E30-07133A1A9558}"/>
               </a:ext>
             </a:extLst>
           </p:cNvPr>
-          <p:cNvSpPr txBox="1"/>
+          <p:cNvPicPr>
+            <a:picLocks noChangeAspect="1"/>
+          </p:cNvPicPr>
           <p:nvPr/>
-        </p:nvSpPr>
-        <p:spPr>
-          <a:xfrm>
-            <a:off x="2827293" y="6610178"/>
-            <a:ext cx="19880307" cy="492443"/>
-          </a:xfrm>
-          <a:prstGeom prst="rect">
-            <a:avLst/>
-          </a:prstGeom>
-          <a:noFill/>
-        </p:spPr>
-        <p:txBody>
-          <a:bodyPr wrap="square" lIns="0" tIns="0" rIns="0" bIns="0" rtlCol="0">
-            <a:spAutoFit/>
-          </a:bodyPr>
-          <a:lstStyle/>
-          <a:p>
-            <a:pPr>
-              <a:spcAft>
-                <a:spcPts val="3600"/>
-              </a:spcAft>
-            </a:pPr>
-            <a:r>
-              <a:rPr lang="pl-PL" sz="3200" dirty="0">
-                <a:solidFill>
-                  <a:schemeClr val="bg1"/>
-                </a:solidFill>
-                <a:latin typeface="+mj-lt"/>
-                <a:cs typeface="Poppins" panose="02000000000000000000" pitchFamily="2" charset="0"/>
-              </a:rPr>
-              <a:t>…</a:t>
-            </a:r>
-          </a:p>
-        </p:txBody>
-      </p:sp>
+        </p:nvPicPr>
+        <p:blipFill>
+          <a:blip r:embed="rId3">
+            <a:extLst>
+              <a:ext uri="{28A0092B-C50C-407E-A947-70E740481C1C}">
+                <a14:useLocalDpi xmlns:a14="http://schemas.microsoft.com/office/drawing/2010/main" val="0"/>
+              </a:ext>
+            </a:extLst>
+          </a:blip>
+          <a:stretch>
+            <a:fillRect/>
+          </a:stretch>
+        </p:blipFill>
+        <p:spPr>
+          <a:xfrm>
+            <a:off x="7243151" y="1764000"/>
+            <a:ext cx="4091557" cy="10188000"/>
+          </a:xfrm>
+          <a:prstGeom prst="rect">
+            <a:avLst/>
+          </a:prstGeom>
+        </p:spPr>
+      </p:pic>
+      <p:pic>
+        <p:nvPicPr>
+          <p:cNvPr id="6" name="Obraz 5" descr="Obraz zawierający tekst, zrzut ekranu&#10;&#10;Opis wygenerowany automatycznie">
+            <a:extLst>
+              <a:ext uri="{FF2B5EF4-FFF2-40B4-BE49-F238E27FC236}">
+                <a16:creationId xmlns:a16="http://schemas.microsoft.com/office/drawing/2014/main" id="{65FFFCDA-2610-D724-A4EA-89E3A713EA87}"/>
+              </a:ext>
+            </a:extLst>
+          </p:cNvPr>
+          <p:cNvPicPr>
+            <a:picLocks noChangeAspect="1"/>
+          </p:cNvPicPr>
+          <p:nvPr/>
+        </p:nvPicPr>
+        <p:blipFill>
+          <a:blip r:embed="rId4">
+            <a:extLst>
+              <a:ext uri="{28A0092B-C50C-407E-A947-70E740481C1C}">
+                <a14:useLocalDpi xmlns:a14="http://schemas.microsoft.com/office/drawing/2010/main" val="0"/>
+              </a:ext>
+            </a:extLst>
+          </a:blip>
+          <a:stretch>
+            <a:fillRect/>
+          </a:stretch>
+        </p:blipFill>
+        <p:spPr>
+          <a:xfrm>
+            <a:off x="13194994" y="1764000"/>
+            <a:ext cx="5391944" cy="10188000"/>
+          </a:xfrm>
+          <a:prstGeom prst="rect">
+            <a:avLst/>
+          </a:prstGeom>
+        </p:spPr>
+      </p:pic>
     </p:spTree>
     <p:extLst>
       <p:ext uri="{BB962C8B-B14F-4D97-AF65-F5344CB8AC3E}">
-        <p14:creationId xmlns:p14="http://schemas.microsoft.com/office/powerpoint/2010/main" val="1099967194"/>
+        <p14:creationId xmlns:p14="http://schemas.microsoft.com/office/powerpoint/2010/main" val="1355579953"/>
       </p:ext>
     </p:extLst>
   </p:cSld>
   <p:clrMapOvr>
     <a:masterClrMapping/>
   </p:clrMapOvr>
-  <mc:AlternateContent xmlns:mc="http://schemas.openxmlformats.org/markup-compatibility/2006" xmlns:p14="http://schemas.microsoft.com/office/powerpoint/2010/main">
-    <mc:Choice Requires="p14">
+  <mc:AlternateContent xmlns:mc="http://schemas.openxmlformats.org/markup-compatibility/2006">
+    <mc:Choice xmlns:p14="http://schemas.microsoft.com/office/powerpoint/2010/main" Requires="p14">
       <p:transition p14:dur="10"/>
     </mc:Choice>
-    <mc:Fallback xmlns="">
+    <mc:Fallback>
       <p:transition/>
     </mc:Fallback>
   </mc:AlternateContent>
@@ -12525,7 +12700,13 @@
     </p:bg>
     <p:spTree>
       <p:nvGrpSpPr>
-        <p:cNvPr id="1" name=""/>
+        <p:cNvPr id="1" name="">
+          <a:extLst>
+            <a:ext uri="{FF2B5EF4-FFF2-40B4-BE49-F238E27FC236}">
+              <a16:creationId xmlns:a16="http://schemas.microsoft.com/office/drawing/2014/main" id="{A9AC6C1A-B5A2-F114-3CA9-83FFFFAFD3E8}"/>
+            </a:ext>
+          </a:extLst>
+        </p:cNvPr>
         <p:cNvGrpSpPr/>
         <p:nvPr/>
       </p:nvGrpSpPr>
@@ -12537,10 +12718,428 @@
           <a:chExt cx="0" cy="0"/>
         </a:xfrm>
       </p:grpSpPr>
+      <p:sp>
+        <p:nvSpPr>
+          <p:cNvPr id="2" name="TextBox 1">
+            <a:extLst>
+              <a:ext uri="{FF2B5EF4-FFF2-40B4-BE49-F238E27FC236}">
+                <a16:creationId xmlns:a16="http://schemas.microsoft.com/office/drawing/2014/main" id="{954E090B-1DEB-2476-B600-E68BDD77F96E}"/>
+              </a:ext>
+            </a:extLst>
+          </p:cNvPr>
+          <p:cNvSpPr txBox="1"/>
+          <p:nvPr/>
+        </p:nvSpPr>
+        <p:spPr>
+          <a:xfrm>
+            <a:off x="2827292" y="2561209"/>
+            <a:ext cx="15759646" cy="1107996"/>
+          </a:xfrm>
+          <a:prstGeom prst="rect">
+            <a:avLst/>
+          </a:prstGeom>
+          <a:noFill/>
+        </p:spPr>
+        <p:txBody>
+          <a:bodyPr wrap="square" lIns="0" tIns="0" rIns="0" bIns="0" rtlCol="0">
+            <a:spAutoFit/>
+          </a:bodyPr>
+          <a:lstStyle/>
+          <a:p>
+            <a:r>
+              <a:rPr lang="pl-PL" sz="7200" b="1" dirty="0">
+                <a:solidFill>
+                  <a:schemeClr val="bg1"/>
+                </a:solidFill>
+                <a:cs typeface="Poppins SemiBold" panose="02000000000000000000" pitchFamily="2" charset="0"/>
+              </a:rPr>
+              <a:t>YOLOv2 i YOLOv4</a:t>
+            </a:r>
+            <a:endParaRPr lang="en-US" sz="7200" b="1" dirty="0">
+              <a:solidFill>
+                <a:schemeClr val="bg1"/>
+              </a:solidFill>
+              <a:cs typeface="Poppins SemiBold" panose="02000000000000000000" pitchFamily="2" charset="0"/>
+            </a:endParaRPr>
+          </a:p>
+        </p:txBody>
+      </p:sp>
+      <p:cxnSp>
+        <p:nvCxnSpPr>
+          <p:cNvPr id="4" name="Straight Connector 3">
+            <a:extLst>
+              <a:ext uri="{FF2B5EF4-FFF2-40B4-BE49-F238E27FC236}">
+                <a16:creationId xmlns:a16="http://schemas.microsoft.com/office/drawing/2014/main" id="{8C510167-3CAB-D880-3DF2-AD041BA79914}"/>
+              </a:ext>
+            </a:extLst>
+          </p:cNvPr>
+          <p:cNvCxnSpPr/>
+          <p:nvPr/>
+        </p:nvCxnSpPr>
+        <p:spPr>
+          <a:xfrm flipH="1">
+            <a:off x="0" y="3135631"/>
+            <a:ext cx="1674813" cy="0"/>
+          </a:xfrm>
+          <a:prstGeom prst="line">
+            <a:avLst/>
+          </a:prstGeom>
+          <a:ln w="76200">
+            <a:solidFill>
+              <a:srgbClr val="FBBA00"/>
+            </a:solidFill>
+          </a:ln>
+        </p:spPr>
+        <p:style>
+          <a:lnRef idx="1">
+            <a:schemeClr val="accent1"/>
+          </a:lnRef>
+          <a:fillRef idx="0">
+            <a:schemeClr val="accent1"/>
+          </a:fillRef>
+          <a:effectRef idx="0">
+            <a:schemeClr val="accent1"/>
+          </a:effectRef>
+          <a:fontRef idx="minor">
+            <a:schemeClr val="tx1"/>
+          </a:fontRef>
+        </p:style>
+      </p:cxnSp>
+      <p:sp>
+        <p:nvSpPr>
+          <p:cNvPr id="5" name="TextBox 4">
+            <a:extLst>
+              <a:ext uri="{FF2B5EF4-FFF2-40B4-BE49-F238E27FC236}">
+                <a16:creationId xmlns:a16="http://schemas.microsoft.com/office/drawing/2014/main" id="{C970ED69-6BD8-DCF9-AD0D-929B57BF8234}"/>
+              </a:ext>
+            </a:extLst>
+          </p:cNvPr>
+          <p:cNvSpPr txBox="1"/>
+          <p:nvPr/>
+        </p:nvSpPr>
+        <p:spPr>
+          <a:xfrm>
+            <a:off x="2827293" y="6610178"/>
+            <a:ext cx="19880307" cy="3416320"/>
+          </a:xfrm>
+          <a:prstGeom prst="rect">
+            <a:avLst/>
+          </a:prstGeom>
+          <a:noFill/>
+        </p:spPr>
+        <p:txBody>
+          <a:bodyPr wrap="square" lIns="0" tIns="0" rIns="0" bIns="0" rtlCol="0">
+            <a:spAutoFit/>
+          </a:bodyPr>
+          <a:lstStyle/>
+          <a:p>
+            <a:pPr>
+              <a:spcAft>
+                <a:spcPts val="3600"/>
+              </a:spcAft>
+            </a:pPr>
+            <a:r>
+              <a:rPr lang="pl-PL" sz="3200" dirty="0">
+                <a:solidFill>
+                  <a:schemeClr val="bg1"/>
+                </a:solidFill>
+                <a:latin typeface="+mj-lt"/>
+                <a:cs typeface="Poppins" panose="02000000000000000000" pitchFamily="2" charset="0"/>
+              </a:rPr>
+              <a:t>Jak wspomniano, w projekcie skorzystano z dwóch rodzajów detektorów – YOLOv2 i YOLOv4. Wersja 4 jest wersją nowszą, która posiada usprawnienia w porównaniu z siecią YOLOv2. Jednakże, mimo tych poprawek, zachowanie nowszego detektora na zadanym zbiorze było dalekie od oczekiwanego. Detektor YOLOv4 na zadanym zbiorze danych, po procesie uczenia, nie wykrywał obecności żadnego znaku.</a:t>
+            </a:r>
+          </a:p>
+          <a:p>
+            <a:pPr>
+              <a:spcAft>
+                <a:spcPts val="3600"/>
+              </a:spcAft>
+            </a:pPr>
+            <a:r>
+              <a:rPr lang="pl-PL" sz="3200" dirty="0">
+                <a:solidFill>
+                  <a:schemeClr val="bg1"/>
+                </a:solidFill>
+                <a:latin typeface="+mj-lt"/>
+                <a:cs typeface="Poppins" panose="02000000000000000000" pitchFamily="2" charset="0"/>
+              </a:rPr>
+              <a:t>W związku ze złym zachowaniem się nowszego detektora zdecydowano się na skorzystanie z detektora starszego. YOLOv2, który po procesie uczenia prawidłowo wykrywał znaki.</a:t>
+            </a:r>
+          </a:p>
+        </p:txBody>
+      </p:sp>
     </p:spTree>
     <p:extLst>
       <p:ext uri="{BB962C8B-B14F-4D97-AF65-F5344CB8AC3E}">
-        <p14:creationId xmlns:p14="http://schemas.microsoft.com/office/powerpoint/2010/main" val="3482335799"/>
+        <p14:creationId xmlns:p14="http://schemas.microsoft.com/office/powerpoint/2010/main" val="2479049908"/>
+      </p:ext>
+    </p:extLst>
+  </p:cSld>
+  <p:clrMapOvr>
+    <a:masterClrMapping/>
+  </p:clrMapOvr>
+  <mc:AlternateContent xmlns:mc="http://schemas.openxmlformats.org/markup-compatibility/2006" xmlns:p14="http://schemas.microsoft.com/office/powerpoint/2010/main">
+    <mc:Choice Requires="p14">
+      <p:transition p14:dur="10"/>
+    </mc:Choice>
+    <mc:Fallback xmlns="">
+      <p:transition/>
+    </mc:Fallback>
+  </mc:AlternateContent>
+</p:sld>
+</file>
+
+<file path=ppt/slides/slide19.xml><?xml version="1.0" encoding="utf-8"?>
+<p:sld xmlns:a="http://schemas.openxmlformats.org/drawingml/2006/main" xmlns:r="http://schemas.openxmlformats.org/officeDocument/2006/relationships" xmlns:p="http://schemas.openxmlformats.org/presentationml/2006/main" showMasterSp="0">
+  <p:cSld>
+    <p:bg>
+      <p:bgPr>
+        <a:blipFill dpi="0" rotWithShape="1">
+          <a:blip r:embed="rId2">
+            <a:lum/>
+          </a:blip>
+          <a:srcRect/>
+          <a:stretch>
+            <a:fillRect/>
+          </a:stretch>
+        </a:blipFill>
+        <a:effectLst/>
+      </p:bgPr>
+    </p:bg>
+    <p:spTree>
+      <p:nvGrpSpPr>
+        <p:cNvPr id="1" name="">
+          <a:extLst>
+            <a:ext uri="{FF2B5EF4-FFF2-40B4-BE49-F238E27FC236}">
+              <a16:creationId xmlns:a16="http://schemas.microsoft.com/office/drawing/2014/main" id="{EA9EAAF1-5646-F4DA-762C-887939BA151C}"/>
+            </a:ext>
+          </a:extLst>
+        </p:cNvPr>
+        <p:cNvGrpSpPr/>
+        <p:nvPr/>
+      </p:nvGrpSpPr>
+      <p:grpSpPr>
+        <a:xfrm>
+          <a:off x="0" y="0"/>
+          <a:ext cx="0" cy="0"/>
+          <a:chOff x="0" y="0"/>
+          <a:chExt cx="0" cy="0"/>
+        </a:xfrm>
+      </p:grpSpPr>
+      <p:sp>
+        <p:nvSpPr>
+          <p:cNvPr id="2" name="TextBox 1">
+            <a:extLst>
+              <a:ext uri="{FF2B5EF4-FFF2-40B4-BE49-F238E27FC236}">
+                <a16:creationId xmlns:a16="http://schemas.microsoft.com/office/drawing/2014/main" id="{54F70D17-9444-0B3E-B207-0E99C762B6A1}"/>
+              </a:ext>
+            </a:extLst>
+          </p:cNvPr>
+          <p:cNvSpPr txBox="1"/>
+          <p:nvPr/>
+        </p:nvSpPr>
+        <p:spPr>
+          <a:xfrm>
+            <a:off x="2827292" y="2561209"/>
+            <a:ext cx="15759646" cy="1107996"/>
+          </a:xfrm>
+          <a:prstGeom prst="rect">
+            <a:avLst/>
+          </a:prstGeom>
+          <a:noFill/>
+        </p:spPr>
+        <p:txBody>
+          <a:bodyPr wrap="square" lIns="0" tIns="0" rIns="0" bIns="0" rtlCol="0">
+            <a:spAutoFit/>
+          </a:bodyPr>
+          <a:lstStyle/>
+          <a:p>
+            <a:r>
+              <a:rPr lang="pl-PL" sz="7200" b="1" dirty="0">
+                <a:solidFill>
+                  <a:schemeClr val="bg1"/>
+                </a:solidFill>
+                <a:cs typeface="Poppins SemiBold" panose="02000000000000000000" pitchFamily="2" charset="0"/>
+              </a:rPr>
+              <a:t>Detekcja i klasyfikacja</a:t>
+            </a:r>
+            <a:endParaRPr lang="en-US" sz="7200" b="1" dirty="0">
+              <a:solidFill>
+                <a:schemeClr val="bg1"/>
+              </a:solidFill>
+              <a:cs typeface="Poppins SemiBold" panose="02000000000000000000" pitchFamily="2" charset="0"/>
+            </a:endParaRPr>
+          </a:p>
+        </p:txBody>
+      </p:sp>
+      <p:cxnSp>
+        <p:nvCxnSpPr>
+          <p:cNvPr id="4" name="Straight Connector 3">
+            <a:extLst>
+              <a:ext uri="{FF2B5EF4-FFF2-40B4-BE49-F238E27FC236}">
+                <a16:creationId xmlns:a16="http://schemas.microsoft.com/office/drawing/2014/main" id="{653C8521-FA33-3D5B-5727-653DFA875570}"/>
+              </a:ext>
+            </a:extLst>
+          </p:cNvPr>
+          <p:cNvCxnSpPr/>
+          <p:nvPr/>
+        </p:nvCxnSpPr>
+        <p:spPr>
+          <a:xfrm flipH="1">
+            <a:off x="0" y="3135631"/>
+            <a:ext cx="1674813" cy="0"/>
+          </a:xfrm>
+          <a:prstGeom prst="line">
+            <a:avLst/>
+          </a:prstGeom>
+          <a:ln w="76200">
+            <a:solidFill>
+              <a:srgbClr val="FBBA00"/>
+            </a:solidFill>
+          </a:ln>
+        </p:spPr>
+        <p:style>
+          <a:lnRef idx="1">
+            <a:schemeClr val="accent1"/>
+          </a:lnRef>
+          <a:fillRef idx="0">
+            <a:schemeClr val="accent1"/>
+          </a:fillRef>
+          <a:effectRef idx="0">
+            <a:schemeClr val="accent1"/>
+          </a:effectRef>
+          <a:fontRef idx="minor">
+            <a:schemeClr val="tx1"/>
+          </a:fontRef>
+        </p:style>
+      </p:cxnSp>
+      <p:sp>
+        <p:nvSpPr>
+          <p:cNvPr id="5" name="TextBox 4">
+            <a:extLst>
+              <a:ext uri="{FF2B5EF4-FFF2-40B4-BE49-F238E27FC236}">
+                <a16:creationId xmlns:a16="http://schemas.microsoft.com/office/drawing/2014/main" id="{F12F3FF0-75CA-C9CF-DDFC-FC2324EEBF17}"/>
+              </a:ext>
+            </a:extLst>
+          </p:cNvPr>
+          <p:cNvSpPr txBox="1"/>
+          <p:nvPr/>
+        </p:nvSpPr>
+        <p:spPr>
+          <a:xfrm>
+            <a:off x="2827293" y="6610178"/>
+            <a:ext cx="19880307" cy="3908762"/>
+          </a:xfrm>
+          <a:prstGeom prst="rect">
+            <a:avLst/>
+          </a:prstGeom>
+          <a:noFill/>
+        </p:spPr>
+        <p:txBody>
+          <a:bodyPr wrap="square" lIns="0" tIns="0" rIns="0" bIns="0" rtlCol="0">
+            <a:spAutoFit/>
+          </a:bodyPr>
+          <a:lstStyle/>
+          <a:p>
+            <a:pPr>
+              <a:spcAft>
+                <a:spcPts val="3600"/>
+              </a:spcAft>
+            </a:pPr>
+            <a:r>
+              <a:rPr lang="pl-PL" sz="3200" dirty="0">
+                <a:solidFill>
+                  <a:schemeClr val="bg1"/>
+                </a:solidFill>
+                <a:latin typeface="+mj-lt"/>
+                <a:cs typeface="Poppins" panose="02000000000000000000" pitchFamily="2" charset="0"/>
+              </a:rPr>
+              <a:t>W początkowych etapach projektu zakładano, że sieć oparta o model YOLO będzie służyć do wykrywania wszystkich znaków, natomiast model sieci dwunastowarstwowej posłuży do rozpoznawania znaków w obszarach wykrytych przez model YOLO.</a:t>
+            </a:r>
+          </a:p>
+          <a:p>
+            <a:pPr>
+              <a:spcAft>
+                <a:spcPts val="3600"/>
+              </a:spcAft>
+            </a:pPr>
+            <a:r>
+              <a:rPr lang="pl-PL" sz="3200" dirty="0">
+                <a:solidFill>
+                  <a:schemeClr val="bg1"/>
+                </a:solidFill>
+                <a:latin typeface="+mj-lt"/>
+                <a:cs typeface="Poppins" panose="02000000000000000000" pitchFamily="2" charset="0"/>
+              </a:rPr>
+              <a:t>W trakcie tworzenia sieci YOLO okazało się, że użycie podwójnego modelu będzie trudne, natomiast model YOLO był w</a:t>
+            </a:r>
+            <a:r>
+              <a:rPr lang="pl-PL" sz="3200" dirty="0">
+                <a:solidFill>
+                  <a:schemeClr val="bg1"/>
+                </a:solidFill>
+                <a:latin typeface="Calibri" panose="020F0502020204030204" pitchFamily="34" charset="0"/>
+                <a:cs typeface="Calibri" panose="020F0502020204030204" pitchFamily="34" charset="0"/>
+              </a:rPr>
+              <a:t> </a:t>
+            </a:r>
+            <a:r>
+              <a:rPr lang="pl-PL" sz="3200" dirty="0">
+                <a:solidFill>
+                  <a:schemeClr val="bg1"/>
+                </a:solidFill>
+                <a:latin typeface="+mj-lt"/>
+                <a:cs typeface="Poppins" panose="02000000000000000000" pitchFamily="2" charset="0"/>
+              </a:rPr>
+              <a:t>stanie nauczyć się nie tylko detekcji, ale i klasyfikacji znaków znajdujących się w tzw. </a:t>
+            </a:r>
+            <a:r>
+              <a:rPr lang="pl-PL" sz="3200" dirty="0" err="1">
+                <a:solidFill>
+                  <a:schemeClr val="bg1"/>
+                </a:solidFill>
+                <a:latin typeface="+mj-lt"/>
+                <a:cs typeface="Poppins" panose="02000000000000000000" pitchFamily="2" charset="0"/>
+              </a:rPr>
+              <a:t>bounding</a:t>
+            </a:r>
+            <a:r>
+              <a:rPr lang="pl-PL" sz="3200" dirty="0">
+                <a:solidFill>
+                  <a:schemeClr val="bg1"/>
+                </a:solidFill>
+                <a:latin typeface="+mj-lt"/>
+                <a:cs typeface="Poppins" panose="02000000000000000000" pitchFamily="2" charset="0"/>
+              </a:rPr>
+              <a:t> </a:t>
+            </a:r>
+            <a:r>
+              <a:rPr lang="pl-PL" sz="3200" dirty="0" err="1">
+                <a:solidFill>
+                  <a:schemeClr val="bg1"/>
+                </a:solidFill>
+                <a:latin typeface="+mj-lt"/>
+                <a:cs typeface="Poppins" panose="02000000000000000000" pitchFamily="2" charset="0"/>
+              </a:rPr>
+              <a:t>boxach</a:t>
+            </a:r>
+            <a:r>
+              <a:rPr lang="pl-PL" sz="3200" dirty="0">
+                <a:solidFill>
+                  <a:schemeClr val="bg1"/>
+                </a:solidFill>
+                <a:latin typeface="+mj-lt"/>
+                <a:cs typeface="Poppins" panose="02000000000000000000" pitchFamily="2" charset="0"/>
+              </a:rPr>
+              <a:t>. Finalnie oba modele były w stanie rozpoznawać znaki, a różnica polegała na formacie użytego zdjęcia oraz na czasochłonności uczenia się obu sieci.</a:t>
+            </a:r>
+          </a:p>
+        </p:txBody>
+      </p:sp>
+    </p:spTree>
+    <p:extLst>
+      <p:ext uri="{BB962C8B-B14F-4D97-AF65-F5344CB8AC3E}">
+        <p14:creationId xmlns:p14="http://schemas.microsoft.com/office/powerpoint/2010/main" val="1099967194"/>
       </p:ext>
     </p:extLst>
   </p:cSld>
@@ -12776,6 +13375,1470 @@
       <p:transition p14:dur="10"/>
     </mc:Choice>
     <mc:Fallback xmlns="">
+      <p:transition/>
+    </mc:Fallback>
+  </mc:AlternateContent>
+</p:sld>
+</file>
+
+<file path=ppt/slides/slide20.xml><?xml version="1.0" encoding="utf-8"?>
+<p:sld xmlns:a="http://schemas.openxmlformats.org/drawingml/2006/main" xmlns:r="http://schemas.openxmlformats.org/officeDocument/2006/relationships" xmlns:p="http://schemas.openxmlformats.org/presentationml/2006/main" showMasterSp="0">
+  <p:cSld>
+    <p:bg>
+      <p:bgPr>
+        <a:blipFill dpi="0" rotWithShape="1">
+          <a:blip r:embed="rId2">
+            <a:lum/>
+          </a:blip>
+          <a:srcRect/>
+          <a:stretch>
+            <a:fillRect/>
+          </a:stretch>
+        </a:blipFill>
+        <a:effectLst/>
+      </p:bgPr>
+    </p:bg>
+    <p:spTree>
+      <p:nvGrpSpPr>
+        <p:cNvPr id="1" name="">
+          <a:extLst>
+            <a:ext uri="{FF2B5EF4-FFF2-40B4-BE49-F238E27FC236}">
+              <a16:creationId xmlns:a16="http://schemas.microsoft.com/office/drawing/2014/main" id="{724ADF9E-50E3-ED77-C911-53ECB81FAA39}"/>
+            </a:ext>
+          </a:extLst>
+        </p:cNvPr>
+        <p:cNvGrpSpPr/>
+        <p:nvPr/>
+      </p:nvGrpSpPr>
+      <p:grpSpPr>
+        <a:xfrm>
+          <a:off x="0" y="0"/>
+          <a:ext cx="0" cy="0"/>
+          <a:chOff x="0" y="0"/>
+          <a:chExt cx="0" cy="0"/>
+        </a:xfrm>
+      </p:grpSpPr>
+      <p:sp>
+        <p:nvSpPr>
+          <p:cNvPr id="2" name="TextBox 1">
+            <a:extLst>
+              <a:ext uri="{FF2B5EF4-FFF2-40B4-BE49-F238E27FC236}">
+                <a16:creationId xmlns:a16="http://schemas.microsoft.com/office/drawing/2014/main" id="{0964665D-76CF-A160-097E-B976C712C5F2}"/>
+              </a:ext>
+            </a:extLst>
+          </p:cNvPr>
+          <p:cNvSpPr txBox="1"/>
+          <p:nvPr/>
+        </p:nvSpPr>
+        <p:spPr>
+          <a:xfrm>
+            <a:off x="2827292" y="2561209"/>
+            <a:ext cx="15759646" cy="1107996"/>
+          </a:xfrm>
+          <a:prstGeom prst="rect">
+            <a:avLst/>
+          </a:prstGeom>
+          <a:noFill/>
+        </p:spPr>
+        <p:txBody>
+          <a:bodyPr wrap="square" lIns="0" tIns="0" rIns="0" bIns="0" rtlCol="0">
+            <a:spAutoFit/>
+          </a:bodyPr>
+          <a:lstStyle/>
+          <a:p>
+            <a:r>
+              <a:rPr lang="pl-PL" sz="7200" b="1" dirty="0">
+                <a:solidFill>
+                  <a:schemeClr val="bg1"/>
+                </a:solidFill>
+                <a:cs typeface="Poppins SemiBold" panose="02000000000000000000" pitchFamily="2" charset="0"/>
+              </a:rPr>
+              <a:t>Proces uczenia</a:t>
+            </a:r>
+            <a:endParaRPr lang="en-US" sz="7200" b="1" dirty="0">
+              <a:solidFill>
+                <a:schemeClr val="bg1"/>
+              </a:solidFill>
+              <a:cs typeface="Poppins SemiBold" panose="02000000000000000000" pitchFamily="2" charset="0"/>
+            </a:endParaRPr>
+          </a:p>
+        </p:txBody>
+      </p:sp>
+      <p:cxnSp>
+        <p:nvCxnSpPr>
+          <p:cNvPr id="4" name="Straight Connector 3">
+            <a:extLst>
+              <a:ext uri="{FF2B5EF4-FFF2-40B4-BE49-F238E27FC236}">
+                <a16:creationId xmlns:a16="http://schemas.microsoft.com/office/drawing/2014/main" id="{DA3C0881-7BAC-2AAD-DC88-14B8CF531DFD}"/>
+              </a:ext>
+            </a:extLst>
+          </p:cNvPr>
+          <p:cNvCxnSpPr/>
+          <p:nvPr/>
+        </p:nvCxnSpPr>
+        <p:spPr>
+          <a:xfrm flipH="1">
+            <a:off x="0" y="3135631"/>
+            <a:ext cx="1674813" cy="0"/>
+          </a:xfrm>
+          <a:prstGeom prst="line">
+            <a:avLst/>
+          </a:prstGeom>
+          <a:ln w="76200">
+            <a:solidFill>
+              <a:srgbClr val="FBBA00"/>
+            </a:solidFill>
+          </a:ln>
+        </p:spPr>
+        <p:style>
+          <a:lnRef idx="1">
+            <a:schemeClr val="accent1"/>
+          </a:lnRef>
+          <a:fillRef idx="0">
+            <a:schemeClr val="accent1"/>
+          </a:fillRef>
+          <a:effectRef idx="0">
+            <a:schemeClr val="accent1"/>
+          </a:effectRef>
+          <a:fontRef idx="minor">
+            <a:schemeClr val="tx1"/>
+          </a:fontRef>
+        </p:style>
+      </p:cxnSp>
+      <p:sp>
+        <p:nvSpPr>
+          <p:cNvPr id="5" name="TextBox 4">
+            <a:extLst>
+              <a:ext uri="{FF2B5EF4-FFF2-40B4-BE49-F238E27FC236}">
+                <a16:creationId xmlns:a16="http://schemas.microsoft.com/office/drawing/2014/main" id="{6DE07EE5-C52C-E0D9-6716-8025FEEC8992}"/>
+              </a:ext>
+            </a:extLst>
+          </p:cNvPr>
+          <p:cNvSpPr txBox="1"/>
+          <p:nvPr/>
+        </p:nvSpPr>
+        <p:spPr>
+          <a:xfrm>
+            <a:off x="2827293" y="6610178"/>
+            <a:ext cx="19880307" cy="2923877"/>
+          </a:xfrm>
+          <a:prstGeom prst="rect">
+            <a:avLst/>
+          </a:prstGeom>
+          <a:noFill/>
+        </p:spPr>
+        <p:txBody>
+          <a:bodyPr wrap="square" lIns="0" tIns="0" rIns="0" bIns="0" rtlCol="0">
+            <a:spAutoFit/>
+          </a:bodyPr>
+          <a:lstStyle/>
+          <a:p>
+            <a:pPr>
+              <a:spcAft>
+                <a:spcPts val="3600"/>
+              </a:spcAft>
+            </a:pPr>
+            <a:r>
+              <a:rPr lang="pl-PL" sz="3200" dirty="0">
+                <a:solidFill>
+                  <a:schemeClr val="bg1"/>
+                </a:solidFill>
+                <a:latin typeface="+mj-lt"/>
+                <a:cs typeface="Poppins" panose="02000000000000000000" pitchFamily="2" charset="0"/>
+              </a:rPr>
+              <a:t>Ze względu na złożoność sieci, a więc i modelu oraz duże rozmiary użytych danych wejściowych, parametry uczenia sieci z</a:t>
+            </a:r>
+            <a:r>
+              <a:rPr lang="pl-PL" sz="3200" dirty="0">
+                <a:solidFill>
+                  <a:schemeClr val="bg1"/>
+                </a:solidFill>
+                <a:latin typeface="Calibri" panose="020F0502020204030204" pitchFamily="34" charset="0"/>
+                <a:cs typeface="Calibri" panose="020F0502020204030204" pitchFamily="34" charset="0"/>
+              </a:rPr>
+              <a:t> </a:t>
+            </a:r>
+            <a:r>
+              <a:rPr lang="pl-PL" sz="3200" dirty="0">
+                <a:solidFill>
+                  <a:schemeClr val="bg1"/>
+                </a:solidFill>
+                <a:latin typeface="+mj-lt"/>
+                <a:cs typeface="Poppins" panose="02000000000000000000" pitchFamily="2" charset="0"/>
+              </a:rPr>
+              <a:t>detektorem YOLO były znacznie różne od parametrów prostej sieci dwunastowarstwowej. </a:t>
+            </a:r>
+          </a:p>
+          <a:p>
+            <a:pPr>
+              <a:spcAft>
+                <a:spcPts val="3600"/>
+              </a:spcAft>
+            </a:pPr>
+            <a:r>
+              <a:rPr lang="pl-PL" sz="3200" dirty="0">
+                <a:solidFill>
+                  <a:schemeClr val="bg1"/>
+                </a:solidFill>
+                <a:latin typeface="+mj-lt"/>
+                <a:cs typeface="Poppins" panose="02000000000000000000" pitchFamily="2" charset="0"/>
+              </a:rPr>
+              <a:t>Zmianie podlegały trzy parametry – rozmiar serii danych uczących (</a:t>
+            </a:r>
+            <a:r>
+              <a:rPr lang="pl-PL" sz="3200" dirty="0" err="1">
+                <a:solidFill>
+                  <a:schemeClr val="bg1"/>
+                </a:solidFill>
+                <a:latin typeface="+mj-lt"/>
+                <a:cs typeface="Poppins" panose="02000000000000000000" pitchFamily="2" charset="0"/>
+              </a:rPr>
+              <a:t>batch</a:t>
+            </a:r>
+            <a:r>
+              <a:rPr lang="pl-PL" sz="3200" dirty="0">
+                <a:solidFill>
+                  <a:schemeClr val="bg1"/>
+                </a:solidFill>
+                <a:latin typeface="+mj-lt"/>
+                <a:cs typeface="Poppins" panose="02000000000000000000" pitchFamily="2" charset="0"/>
+              </a:rPr>
+              <a:t> </a:t>
+            </a:r>
+            <a:r>
+              <a:rPr lang="pl-PL" sz="3200" dirty="0" err="1">
+                <a:solidFill>
+                  <a:schemeClr val="bg1"/>
+                </a:solidFill>
+                <a:latin typeface="+mj-lt"/>
+                <a:cs typeface="Poppins" panose="02000000000000000000" pitchFamily="2" charset="0"/>
+              </a:rPr>
+              <a:t>size</a:t>
+            </a:r>
+            <a:r>
+              <a:rPr lang="pl-PL" sz="3200" dirty="0">
+                <a:solidFill>
+                  <a:schemeClr val="bg1"/>
+                </a:solidFill>
+                <a:latin typeface="+mj-lt"/>
+                <a:cs typeface="Poppins" panose="02000000000000000000" pitchFamily="2" charset="0"/>
+              </a:rPr>
+              <a:t>), początkowa szybkość uczenia oraz maksymalna liczba epok. Rozmiar serii danych został ustalony na 16 sztuk, początkowa szybkość na 0.001, natomiast maksymalna liczba epok wynosiła 300.</a:t>
+            </a:r>
+          </a:p>
+        </p:txBody>
+      </p:sp>
+    </p:spTree>
+    <p:extLst>
+      <p:ext uri="{BB962C8B-B14F-4D97-AF65-F5344CB8AC3E}">
+        <p14:creationId xmlns:p14="http://schemas.microsoft.com/office/powerpoint/2010/main" val="411040886"/>
+      </p:ext>
+    </p:extLst>
+  </p:cSld>
+  <p:clrMapOvr>
+    <a:masterClrMapping/>
+  </p:clrMapOvr>
+  <mc:AlternateContent xmlns:mc="http://schemas.openxmlformats.org/markup-compatibility/2006">
+    <mc:Choice xmlns:p14="http://schemas.microsoft.com/office/powerpoint/2010/main" Requires="p14">
+      <p:transition p14:dur="10"/>
+    </mc:Choice>
+    <mc:Fallback>
+      <p:transition/>
+    </mc:Fallback>
+  </mc:AlternateContent>
+</p:sld>
+</file>
+
+<file path=ppt/slides/slide21.xml><?xml version="1.0" encoding="utf-8"?>
+<p:sld xmlns:a="http://schemas.openxmlformats.org/drawingml/2006/main" xmlns:r="http://schemas.openxmlformats.org/officeDocument/2006/relationships" xmlns:p="http://schemas.openxmlformats.org/presentationml/2006/main" showMasterSp="0">
+  <p:cSld>
+    <p:bg>
+      <p:bgPr>
+        <a:blipFill dpi="0" rotWithShape="1">
+          <a:blip r:embed="rId2">
+            <a:lum/>
+          </a:blip>
+          <a:srcRect/>
+          <a:stretch>
+            <a:fillRect/>
+          </a:stretch>
+        </a:blipFill>
+        <a:effectLst/>
+      </p:bgPr>
+    </p:bg>
+    <p:spTree>
+      <p:nvGrpSpPr>
+        <p:cNvPr id="1" name="">
+          <a:extLst>
+            <a:ext uri="{FF2B5EF4-FFF2-40B4-BE49-F238E27FC236}">
+              <a16:creationId xmlns:a16="http://schemas.microsoft.com/office/drawing/2014/main" id="{1E4A1D93-4292-0B72-569F-A230CEA5400D}"/>
+            </a:ext>
+          </a:extLst>
+        </p:cNvPr>
+        <p:cNvGrpSpPr/>
+        <p:nvPr/>
+      </p:nvGrpSpPr>
+      <p:grpSpPr>
+        <a:xfrm>
+          <a:off x="0" y="0"/>
+          <a:ext cx="0" cy="0"/>
+          <a:chOff x="0" y="0"/>
+          <a:chExt cx="0" cy="0"/>
+        </a:xfrm>
+      </p:grpSpPr>
+      <p:sp>
+        <p:nvSpPr>
+          <p:cNvPr id="2" name="TextBox 1">
+            <a:extLst>
+              <a:ext uri="{FF2B5EF4-FFF2-40B4-BE49-F238E27FC236}">
+                <a16:creationId xmlns:a16="http://schemas.microsoft.com/office/drawing/2014/main" id="{5C052BD4-474E-89C1-5916-766A3DE7D095}"/>
+              </a:ext>
+            </a:extLst>
+          </p:cNvPr>
+          <p:cNvSpPr txBox="1"/>
+          <p:nvPr/>
+        </p:nvSpPr>
+        <p:spPr>
+          <a:xfrm>
+            <a:off x="2827292" y="2561209"/>
+            <a:ext cx="15759646" cy="1107996"/>
+          </a:xfrm>
+          <a:prstGeom prst="rect">
+            <a:avLst/>
+          </a:prstGeom>
+          <a:noFill/>
+        </p:spPr>
+        <p:txBody>
+          <a:bodyPr wrap="square" lIns="0" tIns="0" rIns="0" bIns="0" rtlCol="0">
+            <a:spAutoFit/>
+          </a:bodyPr>
+          <a:lstStyle/>
+          <a:p>
+            <a:r>
+              <a:rPr lang="pl-PL" sz="7200" b="1" dirty="0">
+                <a:solidFill>
+                  <a:schemeClr val="bg1"/>
+                </a:solidFill>
+                <a:cs typeface="Poppins SemiBold" panose="02000000000000000000" pitchFamily="2" charset="0"/>
+              </a:rPr>
+              <a:t>Detekcja i klasyfikacja</a:t>
+            </a:r>
+            <a:endParaRPr lang="en-US" sz="7200" b="1" dirty="0">
+              <a:solidFill>
+                <a:schemeClr val="bg1"/>
+              </a:solidFill>
+              <a:cs typeface="Poppins SemiBold" panose="02000000000000000000" pitchFamily="2" charset="0"/>
+            </a:endParaRPr>
+          </a:p>
+        </p:txBody>
+      </p:sp>
+      <p:cxnSp>
+        <p:nvCxnSpPr>
+          <p:cNvPr id="4" name="Straight Connector 3">
+            <a:extLst>
+              <a:ext uri="{FF2B5EF4-FFF2-40B4-BE49-F238E27FC236}">
+                <a16:creationId xmlns:a16="http://schemas.microsoft.com/office/drawing/2014/main" id="{418CA6C2-9B7B-9702-F812-DD3757D74175}"/>
+              </a:ext>
+            </a:extLst>
+          </p:cNvPr>
+          <p:cNvCxnSpPr/>
+          <p:nvPr/>
+        </p:nvCxnSpPr>
+        <p:spPr>
+          <a:xfrm flipH="1">
+            <a:off x="0" y="3135631"/>
+            <a:ext cx="1674813" cy="0"/>
+          </a:xfrm>
+          <a:prstGeom prst="line">
+            <a:avLst/>
+          </a:prstGeom>
+          <a:ln w="76200">
+            <a:solidFill>
+              <a:srgbClr val="FBBA00"/>
+            </a:solidFill>
+          </a:ln>
+        </p:spPr>
+        <p:style>
+          <a:lnRef idx="1">
+            <a:schemeClr val="accent1"/>
+          </a:lnRef>
+          <a:fillRef idx="0">
+            <a:schemeClr val="accent1"/>
+          </a:fillRef>
+          <a:effectRef idx="0">
+            <a:schemeClr val="accent1"/>
+          </a:effectRef>
+          <a:fontRef idx="minor">
+            <a:schemeClr val="tx1"/>
+          </a:fontRef>
+        </p:style>
+      </p:cxnSp>
+      <p:sp>
+        <p:nvSpPr>
+          <p:cNvPr id="5" name="TextBox 4">
+            <a:extLst>
+              <a:ext uri="{FF2B5EF4-FFF2-40B4-BE49-F238E27FC236}">
+                <a16:creationId xmlns:a16="http://schemas.microsoft.com/office/drawing/2014/main" id="{FCC60A55-CE07-2B78-F017-3500B91FDA11}"/>
+              </a:ext>
+            </a:extLst>
+          </p:cNvPr>
+          <p:cNvSpPr txBox="1"/>
+          <p:nvPr/>
+        </p:nvSpPr>
+        <p:spPr>
+          <a:xfrm>
+            <a:off x="2827293" y="6610178"/>
+            <a:ext cx="19880307" cy="3908762"/>
+          </a:xfrm>
+          <a:prstGeom prst="rect">
+            <a:avLst/>
+          </a:prstGeom>
+          <a:noFill/>
+        </p:spPr>
+        <p:txBody>
+          <a:bodyPr wrap="square" lIns="0" tIns="0" rIns="0" bIns="0" rtlCol="0">
+            <a:spAutoFit/>
+          </a:bodyPr>
+          <a:lstStyle/>
+          <a:p>
+            <a:pPr>
+              <a:spcAft>
+                <a:spcPts val="3600"/>
+              </a:spcAft>
+            </a:pPr>
+            <a:r>
+              <a:rPr lang="pl-PL" sz="3200" dirty="0">
+                <a:solidFill>
+                  <a:schemeClr val="bg1"/>
+                </a:solidFill>
+                <a:latin typeface="+mj-lt"/>
+                <a:cs typeface="Poppins" panose="02000000000000000000" pitchFamily="2" charset="0"/>
+              </a:rPr>
+              <a:t>W początkowych etapach projektu zakładano, że sieć oparta o model YOLO będzie służyć do wykrywania wszystkich znaków, natomiast model sieci dwunastowarstwowej posłuży do rozpoznawania znaków w obszarach wykrytych przez model YOLO.</a:t>
+            </a:r>
+          </a:p>
+          <a:p>
+            <a:pPr>
+              <a:spcAft>
+                <a:spcPts val="3600"/>
+              </a:spcAft>
+            </a:pPr>
+            <a:r>
+              <a:rPr lang="pl-PL" sz="3200" dirty="0">
+                <a:solidFill>
+                  <a:schemeClr val="bg1"/>
+                </a:solidFill>
+                <a:latin typeface="+mj-lt"/>
+                <a:cs typeface="Poppins" panose="02000000000000000000" pitchFamily="2" charset="0"/>
+              </a:rPr>
+              <a:t>W trakcie tworzenia sieci YOLO okazało się, że użycie podwójnego modelu będzie trudne, natomiast model YOLO był w</a:t>
+            </a:r>
+            <a:r>
+              <a:rPr lang="pl-PL" sz="3200" dirty="0">
+                <a:solidFill>
+                  <a:schemeClr val="bg1"/>
+                </a:solidFill>
+                <a:latin typeface="Calibri" panose="020F0502020204030204" pitchFamily="34" charset="0"/>
+                <a:cs typeface="Calibri" panose="020F0502020204030204" pitchFamily="34" charset="0"/>
+              </a:rPr>
+              <a:t> </a:t>
+            </a:r>
+            <a:r>
+              <a:rPr lang="pl-PL" sz="3200" dirty="0">
+                <a:solidFill>
+                  <a:schemeClr val="bg1"/>
+                </a:solidFill>
+                <a:latin typeface="+mj-lt"/>
+                <a:cs typeface="Poppins" panose="02000000000000000000" pitchFamily="2" charset="0"/>
+              </a:rPr>
+              <a:t>stanie nauczyć się nie tylko detekcji, ale i klasyfikacji znaków znajdujących się w tzw. </a:t>
+            </a:r>
+            <a:r>
+              <a:rPr lang="pl-PL" sz="3200" dirty="0" err="1">
+                <a:solidFill>
+                  <a:schemeClr val="bg1"/>
+                </a:solidFill>
+                <a:latin typeface="+mj-lt"/>
+                <a:cs typeface="Poppins" panose="02000000000000000000" pitchFamily="2" charset="0"/>
+              </a:rPr>
+              <a:t>bounding</a:t>
+            </a:r>
+            <a:r>
+              <a:rPr lang="pl-PL" sz="3200" dirty="0">
+                <a:solidFill>
+                  <a:schemeClr val="bg1"/>
+                </a:solidFill>
+                <a:latin typeface="+mj-lt"/>
+                <a:cs typeface="Poppins" panose="02000000000000000000" pitchFamily="2" charset="0"/>
+              </a:rPr>
+              <a:t> </a:t>
+            </a:r>
+            <a:r>
+              <a:rPr lang="pl-PL" sz="3200" dirty="0" err="1">
+                <a:solidFill>
+                  <a:schemeClr val="bg1"/>
+                </a:solidFill>
+                <a:latin typeface="+mj-lt"/>
+                <a:cs typeface="Poppins" panose="02000000000000000000" pitchFamily="2" charset="0"/>
+              </a:rPr>
+              <a:t>boxach</a:t>
+            </a:r>
+            <a:r>
+              <a:rPr lang="pl-PL" sz="3200" dirty="0">
+                <a:solidFill>
+                  <a:schemeClr val="bg1"/>
+                </a:solidFill>
+                <a:latin typeface="+mj-lt"/>
+                <a:cs typeface="Poppins" panose="02000000000000000000" pitchFamily="2" charset="0"/>
+              </a:rPr>
+              <a:t>. Finalnie oba modele były w stanie rozpoznawać znaki, a różnica polegała na formacie użytego zdjęcia oraz na czasochłonności uczenia się obu sieci.</a:t>
+            </a:r>
+          </a:p>
+        </p:txBody>
+      </p:sp>
+    </p:spTree>
+    <p:extLst>
+      <p:ext uri="{BB962C8B-B14F-4D97-AF65-F5344CB8AC3E}">
+        <p14:creationId xmlns:p14="http://schemas.microsoft.com/office/powerpoint/2010/main" val="1722136704"/>
+      </p:ext>
+    </p:extLst>
+  </p:cSld>
+  <p:clrMapOvr>
+    <a:masterClrMapping/>
+  </p:clrMapOvr>
+  <mc:AlternateContent xmlns:mc="http://schemas.openxmlformats.org/markup-compatibility/2006">
+    <mc:Choice xmlns:p14="http://schemas.microsoft.com/office/powerpoint/2010/main" Requires="p14">
+      <p:transition p14:dur="10"/>
+    </mc:Choice>
+    <mc:Fallback>
+      <p:transition/>
+    </mc:Fallback>
+  </mc:AlternateContent>
+</p:sld>
+</file>
+
+<file path=ppt/slides/slide22.xml><?xml version="1.0" encoding="utf-8"?>
+<p:sld xmlns:a="http://schemas.openxmlformats.org/drawingml/2006/main" xmlns:r="http://schemas.openxmlformats.org/officeDocument/2006/relationships" xmlns:p="http://schemas.openxmlformats.org/presentationml/2006/main" showMasterSp="0">
+  <p:cSld>
+    <p:bg>
+      <p:bgPr>
+        <a:blipFill dpi="0" rotWithShape="1">
+          <a:blip r:embed="rId2">
+            <a:lum/>
+          </a:blip>
+          <a:srcRect/>
+          <a:stretch>
+            <a:fillRect/>
+          </a:stretch>
+        </a:blipFill>
+        <a:effectLst/>
+      </p:bgPr>
+    </p:bg>
+    <p:spTree>
+      <p:nvGrpSpPr>
+        <p:cNvPr id="1" name="">
+          <a:extLst>
+            <a:ext uri="{FF2B5EF4-FFF2-40B4-BE49-F238E27FC236}">
+              <a16:creationId xmlns:a16="http://schemas.microsoft.com/office/drawing/2014/main" id="{90B55E5C-7EC3-AD09-A936-6B3D5AEED7FA}"/>
+            </a:ext>
+          </a:extLst>
+        </p:cNvPr>
+        <p:cNvGrpSpPr/>
+        <p:nvPr/>
+      </p:nvGrpSpPr>
+      <p:grpSpPr>
+        <a:xfrm>
+          <a:off x="0" y="0"/>
+          <a:ext cx="0" cy="0"/>
+          <a:chOff x="0" y="0"/>
+          <a:chExt cx="0" cy="0"/>
+        </a:xfrm>
+      </p:grpSpPr>
+      <p:sp>
+        <p:nvSpPr>
+          <p:cNvPr id="2" name="TextBox 1">
+            <a:extLst>
+              <a:ext uri="{FF2B5EF4-FFF2-40B4-BE49-F238E27FC236}">
+                <a16:creationId xmlns:a16="http://schemas.microsoft.com/office/drawing/2014/main" id="{A65DE495-5C9A-6968-BC50-451CF4E4CD8E}"/>
+              </a:ext>
+            </a:extLst>
+          </p:cNvPr>
+          <p:cNvSpPr txBox="1"/>
+          <p:nvPr/>
+        </p:nvSpPr>
+        <p:spPr>
+          <a:xfrm>
+            <a:off x="2827292" y="2561209"/>
+            <a:ext cx="15759646" cy="1107996"/>
+          </a:xfrm>
+          <a:prstGeom prst="rect">
+            <a:avLst/>
+          </a:prstGeom>
+          <a:noFill/>
+        </p:spPr>
+        <p:txBody>
+          <a:bodyPr wrap="square" lIns="0" tIns="0" rIns="0" bIns="0" rtlCol="0">
+            <a:spAutoFit/>
+          </a:bodyPr>
+          <a:lstStyle/>
+          <a:p>
+            <a:r>
+              <a:rPr lang="pl-PL" sz="7200" b="1" dirty="0">
+                <a:solidFill>
+                  <a:schemeClr val="bg1"/>
+                </a:solidFill>
+                <a:cs typeface="Poppins SemiBold" panose="02000000000000000000" pitchFamily="2" charset="0"/>
+              </a:rPr>
+              <a:t>Wyniki YOLOv2</a:t>
+            </a:r>
+            <a:endParaRPr lang="en-US" sz="7200" b="1" dirty="0">
+              <a:solidFill>
+                <a:schemeClr val="bg1"/>
+              </a:solidFill>
+              <a:cs typeface="Poppins SemiBold" panose="02000000000000000000" pitchFamily="2" charset="0"/>
+            </a:endParaRPr>
+          </a:p>
+        </p:txBody>
+      </p:sp>
+      <p:cxnSp>
+        <p:nvCxnSpPr>
+          <p:cNvPr id="4" name="Straight Connector 3">
+            <a:extLst>
+              <a:ext uri="{FF2B5EF4-FFF2-40B4-BE49-F238E27FC236}">
+                <a16:creationId xmlns:a16="http://schemas.microsoft.com/office/drawing/2014/main" id="{2D73E539-20C4-E675-24F8-C3C7689CE5C3}"/>
+              </a:ext>
+            </a:extLst>
+          </p:cNvPr>
+          <p:cNvCxnSpPr/>
+          <p:nvPr/>
+        </p:nvCxnSpPr>
+        <p:spPr>
+          <a:xfrm flipH="1">
+            <a:off x="0" y="3135631"/>
+            <a:ext cx="1674813" cy="0"/>
+          </a:xfrm>
+          <a:prstGeom prst="line">
+            <a:avLst/>
+          </a:prstGeom>
+          <a:ln w="76200">
+            <a:solidFill>
+              <a:srgbClr val="FBBA00"/>
+            </a:solidFill>
+          </a:ln>
+        </p:spPr>
+        <p:style>
+          <a:lnRef idx="1">
+            <a:schemeClr val="accent1"/>
+          </a:lnRef>
+          <a:fillRef idx="0">
+            <a:schemeClr val="accent1"/>
+          </a:fillRef>
+          <a:effectRef idx="0">
+            <a:schemeClr val="accent1"/>
+          </a:effectRef>
+          <a:fontRef idx="minor">
+            <a:schemeClr val="tx1"/>
+          </a:fontRef>
+        </p:style>
+      </p:cxnSp>
+      <p:sp>
+        <p:nvSpPr>
+          <p:cNvPr id="5" name="TextBox 4">
+            <a:extLst>
+              <a:ext uri="{FF2B5EF4-FFF2-40B4-BE49-F238E27FC236}">
+                <a16:creationId xmlns:a16="http://schemas.microsoft.com/office/drawing/2014/main" id="{11B225DA-A282-D6D1-8A03-FC8A6B72E0C6}"/>
+              </a:ext>
+            </a:extLst>
+          </p:cNvPr>
+          <p:cNvSpPr txBox="1"/>
+          <p:nvPr/>
+        </p:nvSpPr>
+        <p:spPr>
+          <a:xfrm>
+            <a:off x="2827293" y="6610178"/>
+            <a:ext cx="19880307" cy="4401205"/>
+          </a:xfrm>
+          <a:prstGeom prst="rect">
+            <a:avLst/>
+          </a:prstGeom>
+          <a:noFill/>
+        </p:spPr>
+        <p:txBody>
+          <a:bodyPr wrap="square" lIns="0" tIns="0" rIns="0" bIns="0" rtlCol="0">
+            <a:spAutoFit/>
+          </a:bodyPr>
+          <a:lstStyle/>
+          <a:p>
+            <a:pPr>
+              <a:spcAft>
+                <a:spcPts val="3600"/>
+              </a:spcAft>
+            </a:pPr>
+            <a:r>
+              <a:rPr lang="pl-PL" sz="3200" dirty="0">
+                <a:solidFill>
+                  <a:schemeClr val="bg1"/>
+                </a:solidFill>
+                <a:latin typeface="+mj-lt"/>
+                <a:cs typeface="Poppins" panose="02000000000000000000" pitchFamily="2" charset="0"/>
+              </a:rPr>
+              <a:t>W przeciwieństwie do prostej sieci, sieć w oparciu o detektor YOLO należy oceniać przy użyciu wskaźnika precyzji predykcji. Wskaźnik ten stwierdza, jaka jest różnica pomiędzy współrzędnymi rzeczywistego </a:t>
+            </a:r>
+            <a:r>
+              <a:rPr lang="pl-PL" sz="3200" dirty="0" err="1">
+                <a:solidFill>
+                  <a:schemeClr val="bg1"/>
+                </a:solidFill>
+                <a:latin typeface="+mj-lt"/>
+                <a:cs typeface="Poppins" panose="02000000000000000000" pitchFamily="2" charset="0"/>
+              </a:rPr>
+              <a:t>bounding</a:t>
+            </a:r>
+            <a:r>
+              <a:rPr lang="pl-PL" sz="3200" dirty="0">
+                <a:solidFill>
+                  <a:schemeClr val="bg1"/>
+                </a:solidFill>
+                <a:latin typeface="+mj-lt"/>
+                <a:cs typeface="Poppins" panose="02000000000000000000" pitchFamily="2" charset="0"/>
+              </a:rPr>
+              <a:t> </a:t>
+            </a:r>
+            <a:r>
+              <a:rPr lang="pl-PL" sz="3200" dirty="0" err="1">
+                <a:solidFill>
+                  <a:schemeClr val="bg1"/>
+                </a:solidFill>
+                <a:latin typeface="+mj-lt"/>
+                <a:cs typeface="Poppins" panose="02000000000000000000" pitchFamily="2" charset="0"/>
+              </a:rPr>
+              <a:t>boxa</a:t>
+            </a:r>
+            <a:r>
+              <a:rPr lang="pl-PL" sz="3200" dirty="0">
+                <a:solidFill>
+                  <a:schemeClr val="bg1"/>
+                </a:solidFill>
+                <a:latin typeface="+mj-lt"/>
+                <a:cs typeface="Poppins" panose="02000000000000000000" pitchFamily="2" charset="0"/>
+              </a:rPr>
+              <a:t> i</a:t>
+            </a:r>
+            <a:r>
+              <a:rPr lang="pl-PL" sz="3200" dirty="0">
+                <a:solidFill>
+                  <a:schemeClr val="bg1"/>
+                </a:solidFill>
+                <a:latin typeface="Calibri" panose="020F0502020204030204" pitchFamily="34" charset="0"/>
+                <a:cs typeface="Calibri" panose="020F0502020204030204" pitchFamily="34" charset="0"/>
+              </a:rPr>
+              <a:t> </a:t>
+            </a:r>
+            <a:r>
+              <a:rPr lang="pl-PL" sz="3200" dirty="0">
+                <a:solidFill>
+                  <a:schemeClr val="bg1"/>
+                </a:solidFill>
+                <a:latin typeface="+mj-lt"/>
+                <a:cs typeface="Poppins" panose="02000000000000000000" pitchFamily="2" charset="0"/>
+              </a:rPr>
+              <a:t>współrzędnymi przewidywanego </a:t>
+            </a:r>
+            <a:r>
+              <a:rPr lang="pl-PL" sz="3200" dirty="0" err="1">
+                <a:solidFill>
+                  <a:schemeClr val="bg1"/>
+                </a:solidFill>
+                <a:latin typeface="+mj-lt"/>
+                <a:cs typeface="Poppins" panose="02000000000000000000" pitchFamily="2" charset="0"/>
+              </a:rPr>
+              <a:t>bounding</a:t>
+            </a:r>
+            <a:r>
+              <a:rPr lang="pl-PL" sz="3200" dirty="0">
+                <a:solidFill>
+                  <a:schemeClr val="bg1"/>
+                </a:solidFill>
+                <a:latin typeface="+mj-lt"/>
+                <a:cs typeface="Poppins" panose="02000000000000000000" pitchFamily="2" charset="0"/>
+              </a:rPr>
+              <a:t> </a:t>
+            </a:r>
+            <a:r>
+              <a:rPr lang="pl-PL" sz="3200" dirty="0" err="1">
+                <a:solidFill>
+                  <a:schemeClr val="bg1"/>
+                </a:solidFill>
+                <a:latin typeface="+mj-lt"/>
+                <a:cs typeface="Poppins" panose="02000000000000000000" pitchFamily="2" charset="0"/>
+              </a:rPr>
+              <a:t>boxa</a:t>
+            </a:r>
+            <a:r>
+              <a:rPr lang="pl-PL" sz="3200" dirty="0">
+                <a:solidFill>
+                  <a:schemeClr val="bg1"/>
+                </a:solidFill>
+                <a:latin typeface="+mj-lt"/>
+                <a:cs typeface="Poppins" panose="02000000000000000000" pitchFamily="2" charset="0"/>
+              </a:rPr>
+              <a:t>. Średnio wartość ta wyniosła 63%, co jest bardzo dobrym wynikiem dla tego rodzaju obiektów.</a:t>
+            </a:r>
+          </a:p>
+          <a:p>
+            <a:pPr>
+              <a:spcAft>
+                <a:spcPts val="3600"/>
+              </a:spcAft>
+            </a:pPr>
+            <a:r>
+              <a:rPr lang="pl-PL" sz="3200" dirty="0">
+                <a:solidFill>
+                  <a:schemeClr val="bg1"/>
+                </a:solidFill>
+                <a:latin typeface="+mj-lt"/>
+                <a:cs typeface="Poppins" panose="02000000000000000000" pitchFamily="2" charset="0"/>
+              </a:rPr>
+              <a:t>Należy również pamiętać, że realnie nie jest możliwe uzyskanie średniego wskaźnika precyzji na poziomie 100%, ponieważ w rzeczywistych przypadkach będzie istniało co najmniej jedno prawidłowe oznaczenie obiektu na podstawie modelu, które będzie różne od zadanego (wzorcowego) oznaczenia, na przykład przez przesunięcie bądź też powiększenie względem wzorca.</a:t>
+            </a:r>
+          </a:p>
+        </p:txBody>
+      </p:sp>
+    </p:spTree>
+    <p:extLst>
+      <p:ext uri="{BB962C8B-B14F-4D97-AF65-F5344CB8AC3E}">
+        <p14:creationId xmlns:p14="http://schemas.microsoft.com/office/powerpoint/2010/main" val="540942062"/>
+      </p:ext>
+    </p:extLst>
+  </p:cSld>
+  <p:clrMapOvr>
+    <a:masterClrMapping/>
+  </p:clrMapOvr>
+  <mc:AlternateContent xmlns:mc="http://schemas.openxmlformats.org/markup-compatibility/2006">
+    <mc:Choice xmlns:p14="http://schemas.microsoft.com/office/powerpoint/2010/main" Requires="p14">
+      <p:transition p14:dur="10"/>
+    </mc:Choice>
+    <mc:Fallback>
+      <p:transition/>
+    </mc:Fallback>
+  </mc:AlternateContent>
+</p:sld>
+</file>
+
+<file path=ppt/slides/slide23.xml><?xml version="1.0" encoding="utf-8"?>
+<p:sld xmlns:a="http://schemas.openxmlformats.org/drawingml/2006/main" xmlns:r="http://schemas.openxmlformats.org/officeDocument/2006/relationships" xmlns:p="http://schemas.openxmlformats.org/presentationml/2006/main" showMasterSp="0">
+  <p:cSld>
+    <p:bg>
+      <p:bgPr>
+        <a:blipFill dpi="0" rotWithShape="1">
+          <a:blip r:embed="rId2">
+            <a:lum/>
+          </a:blip>
+          <a:srcRect/>
+          <a:stretch>
+            <a:fillRect/>
+          </a:stretch>
+        </a:blipFill>
+        <a:effectLst/>
+      </p:bgPr>
+    </p:bg>
+    <p:spTree>
+      <p:nvGrpSpPr>
+        <p:cNvPr id="1" name="">
+          <a:extLst>
+            <a:ext uri="{FF2B5EF4-FFF2-40B4-BE49-F238E27FC236}">
+              <a16:creationId xmlns:a16="http://schemas.microsoft.com/office/drawing/2014/main" id="{CC6619BE-1363-2EA9-F5DF-B2126339DCE4}"/>
+            </a:ext>
+          </a:extLst>
+        </p:cNvPr>
+        <p:cNvGrpSpPr/>
+        <p:nvPr/>
+      </p:nvGrpSpPr>
+      <p:grpSpPr>
+        <a:xfrm>
+          <a:off x="0" y="0"/>
+          <a:ext cx="0" cy="0"/>
+          <a:chOff x="0" y="0"/>
+          <a:chExt cx="0" cy="0"/>
+        </a:xfrm>
+      </p:grpSpPr>
+      <p:sp>
+        <p:nvSpPr>
+          <p:cNvPr id="2" name="TextBox 1">
+            <a:extLst>
+              <a:ext uri="{FF2B5EF4-FFF2-40B4-BE49-F238E27FC236}">
+                <a16:creationId xmlns:a16="http://schemas.microsoft.com/office/drawing/2014/main" id="{E55D8275-9F5E-4682-F3E8-06B932FC4F43}"/>
+              </a:ext>
+            </a:extLst>
+          </p:cNvPr>
+          <p:cNvSpPr txBox="1"/>
+          <p:nvPr/>
+        </p:nvSpPr>
+        <p:spPr>
+          <a:xfrm>
+            <a:off x="2827292" y="433464"/>
+            <a:ext cx="15759646" cy="1107996"/>
+          </a:xfrm>
+          <a:prstGeom prst="rect">
+            <a:avLst/>
+          </a:prstGeom>
+          <a:noFill/>
+        </p:spPr>
+        <p:txBody>
+          <a:bodyPr wrap="square" lIns="0" tIns="0" rIns="0" bIns="0" rtlCol="0">
+            <a:spAutoFit/>
+          </a:bodyPr>
+          <a:lstStyle/>
+          <a:p>
+            <a:r>
+              <a:rPr lang="pl-PL" sz="7200" b="1" dirty="0">
+                <a:solidFill>
+                  <a:schemeClr val="bg1"/>
+                </a:solidFill>
+                <a:cs typeface="Poppins SemiBold" panose="02000000000000000000" pitchFamily="2" charset="0"/>
+              </a:rPr>
+              <a:t>Wyniki YOLOv2</a:t>
+            </a:r>
+            <a:endParaRPr lang="en-US" sz="7200" b="1" dirty="0">
+              <a:solidFill>
+                <a:schemeClr val="bg1"/>
+              </a:solidFill>
+              <a:cs typeface="Poppins SemiBold" panose="02000000000000000000" pitchFamily="2" charset="0"/>
+            </a:endParaRPr>
+          </a:p>
+        </p:txBody>
+      </p:sp>
+      <p:cxnSp>
+        <p:nvCxnSpPr>
+          <p:cNvPr id="4" name="Straight Connector 3">
+            <a:extLst>
+              <a:ext uri="{FF2B5EF4-FFF2-40B4-BE49-F238E27FC236}">
+                <a16:creationId xmlns:a16="http://schemas.microsoft.com/office/drawing/2014/main" id="{29C6A4DF-FC0B-FC67-B404-5B37400F6E13}"/>
+              </a:ext>
+            </a:extLst>
+          </p:cNvPr>
+          <p:cNvCxnSpPr/>
+          <p:nvPr/>
+        </p:nvCxnSpPr>
+        <p:spPr>
+          <a:xfrm flipH="1">
+            <a:off x="0" y="1007886"/>
+            <a:ext cx="1674813" cy="0"/>
+          </a:xfrm>
+          <a:prstGeom prst="line">
+            <a:avLst/>
+          </a:prstGeom>
+          <a:ln w="76200">
+            <a:solidFill>
+              <a:srgbClr val="FBBA00"/>
+            </a:solidFill>
+          </a:ln>
+        </p:spPr>
+        <p:style>
+          <a:lnRef idx="1">
+            <a:schemeClr val="accent1"/>
+          </a:lnRef>
+          <a:fillRef idx="0">
+            <a:schemeClr val="accent1"/>
+          </a:fillRef>
+          <a:effectRef idx="0">
+            <a:schemeClr val="accent1"/>
+          </a:effectRef>
+          <a:fontRef idx="minor">
+            <a:schemeClr val="tx1"/>
+          </a:fontRef>
+        </p:style>
+      </p:cxnSp>
+      <p:pic>
+        <p:nvPicPr>
+          <p:cNvPr id="3" name="Obraz 2" descr="Obraz zawierający linia, diagram, Wykres, Równolegle&#10;&#10;Opis wygenerowany automatycznie">
+            <a:extLst>
+              <a:ext uri="{FF2B5EF4-FFF2-40B4-BE49-F238E27FC236}">
+                <a16:creationId xmlns:a16="http://schemas.microsoft.com/office/drawing/2014/main" id="{6289964D-C5FD-7A6F-F9A4-A91D81727F4B}"/>
+              </a:ext>
+            </a:extLst>
+          </p:cNvPr>
+          <p:cNvPicPr>
+            <a:picLocks noChangeAspect="1"/>
+          </p:cNvPicPr>
+          <p:nvPr/>
+        </p:nvPicPr>
+        <p:blipFill>
+          <a:blip r:embed="rId3"/>
+          <a:stretch>
+            <a:fillRect/>
+          </a:stretch>
+        </p:blipFill>
+        <p:spPr>
+          <a:xfrm>
+            <a:off x="6679223" y="2016616"/>
+            <a:ext cx="11025554" cy="9682768"/>
+          </a:xfrm>
+          <a:prstGeom prst="rect">
+            <a:avLst/>
+          </a:prstGeom>
+        </p:spPr>
+      </p:pic>
+    </p:spTree>
+    <p:extLst>
+      <p:ext uri="{BB962C8B-B14F-4D97-AF65-F5344CB8AC3E}">
+        <p14:creationId xmlns:p14="http://schemas.microsoft.com/office/powerpoint/2010/main" val="1567917866"/>
+      </p:ext>
+    </p:extLst>
+  </p:cSld>
+  <p:clrMapOvr>
+    <a:masterClrMapping/>
+  </p:clrMapOvr>
+  <mc:AlternateContent xmlns:mc="http://schemas.openxmlformats.org/markup-compatibility/2006">
+    <mc:Choice xmlns:p14="http://schemas.microsoft.com/office/powerpoint/2010/main" Requires="p14">
+      <p:transition p14:dur="10"/>
+    </mc:Choice>
+    <mc:Fallback>
+      <p:transition/>
+    </mc:Fallback>
+  </mc:AlternateContent>
+</p:sld>
+</file>
+
+<file path=ppt/slides/slide24.xml><?xml version="1.0" encoding="utf-8"?>
+<p:sld xmlns:a="http://schemas.openxmlformats.org/drawingml/2006/main" xmlns:r="http://schemas.openxmlformats.org/officeDocument/2006/relationships" xmlns:p="http://schemas.openxmlformats.org/presentationml/2006/main" showMasterSp="0">
+  <p:cSld>
+    <p:bg>
+      <p:bgPr>
+        <a:blipFill dpi="0" rotWithShape="1">
+          <a:blip r:embed="rId2">
+            <a:lum/>
+          </a:blip>
+          <a:srcRect/>
+          <a:stretch>
+            <a:fillRect/>
+          </a:stretch>
+        </a:blipFill>
+        <a:effectLst/>
+      </p:bgPr>
+    </p:bg>
+    <p:spTree>
+      <p:nvGrpSpPr>
+        <p:cNvPr id="1" name="">
+          <a:extLst>
+            <a:ext uri="{FF2B5EF4-FFF2-40B4-BE49-F238E27FC236}">
+              <a16:creationId xmlns:a16="http://schemas.microsoft.com/office/drawing/2014/main" id="{ED5E4889-6FFA-6904-C2E7-F7AD3C0C0E43}"/>
+            </a:ext>
+          </a:extLst>
+        </p:cNvPr>
+        <p:cNvGrpSpPr/>
+        <p:nvPr/>
+      </p:nvGrpSpPr>
+      <p:grpSpPr>
+        <a:xfrm>
+          <a:off x="0" y="0"/>
+          <a:ext cx="0" cy="0"/>
+          <a:chOff x="0" y="0"/>
+          <a:chExt cx="0" cy="0"/>
+        </a:xfrm>
+      </p:grpSpPr>
+      <p:sp>
+        <p:nvSpPr>
+          <p:cNvPr id="2" name="TextBox 1">
+            <a:extLst>
+              <a:ext uri="{FF2B5EF4-FFF2-40B4-BE49-F238E27FC236}">
+                <a16:creationId xmlns:a16="http://schemas.microsoft.com/office/drawing/2014/main" id="{2F2A73B1-FC3B-7C7E-96EB-B4101BE00E49}"/>
+              </a:ext>
+            </a:extLst>
+          </p:cNvPr>
+          <p:cNvSpPr txBox="1"/>
+          <p:nvPr/>
+        </p:nvSpPr>
+        <p:spPr>
+          <a:xfrm>
+            <a:off x="2827292" y="2561209"/>
+            <a:ext cx="15759646" cy="1107996"/>
+          </a:xfrm>
+          <a:prstGeom prst="rect">
+            <a:avLst/>
+          </a:prstGeom>
+          <a:noFill/>
+        </p:spPr>
+        <p:txBody>
+          <a:bodyPr wrap="square" lIns="0" tIns="0" rIns="0" bIns="0" rtlCol="0">
+            <a:spAutoFit/>
+          </a:bodyPr>
+          <a:lstStyle/>
+          <a:p>
+            <a:r>
+              <a:rPr lang="pl-PL" sz="7200" b="1" dirty="0">
+                <a:solidFill>
+                  <a:schemeClr val="bg1"/>
+                </a:solidFill>
+                <a:cs typeface="Poppins SemiBold" panose="02000000000000000000" pitchFamily="2" charset="0"/>
+              </a:rPr>
+              <a:t>Wyniki YOLOv2</a:t>
+            </a:r>
+            <a:endParaRPr lang="en-US" sz="7200" b="1" dirty="0">
+              <a:solidFill>
+                <a:schemeClr val="bg1"/>
+              </a:solidFill>
+              <a:cs typeface="Poppins SemiBold" panose="02000000000000000000" pitchFamily="2" charset="0"/>
+            </a:endParaRPr>
+          </a:p>
+        </p:txBody>
+      </p:sp>
+      <p:cxnSp>
+        <p:nvCxnSpPr>
+          <p:cNvPr id="4" name="Straight Connector 3">
+            <a:extLst>
+              <a:ext uri="{FF2B5EF4-FFF2-40B4-BE49-F238E27FC236}">
+                <a16:creationId xmlns:a16="http://schemas.microsoft.com/office/drawing/2014/main" id="{3C31E18C-EC47-A252-406A-CCEFAEA10F51}"/>
+              </a:ext>
+            </a:extLst>
+          </p:cNvPr>
+          <p:cNvCxnSpPr/>
+          <p:nvPr/>
+        </p:nvCxnSpPr>
+        <p:spPr>
+          <a:xfrm flipH="1">
+            <a:off x="0" y="3135631"/>
+            <a:ext cx="1674813" cy="0"/>
+          </a:xfrm>
+          <a:prstGeom prst="line">
+            <a:avLst/>
+          </a:prstGeom>
+          <a:ln w="76200">
+            <a:solidFill>
+              <a:srgbClr val="FBBA00"/>
+            </a:solidFill>
+          </a:ln>
+        </p:spPr>
+        <p:style>
+          <a:lnRef idx="1">
+            <a:schemeClr val="accent1"/>
+          </a:lnRef>
+          <a:fillRef idx="0">
+            <a:schemeClr val="accent1"/>
+          </a:fillRef>
+          <a:effectRef idx="0">
+            <a:schemeClr val="accent1"/>
+          </a:effectRef>
+          <a:fontRef idx="minor">
+            <a:schemeClr val="tx1"/>
+          </a:fontRef>
+        </p:style>
+      </p:cxnSp>
+      <p:sp>
+        <p:nvSpPr>
+          <p:cNvPr id="5" name="TextBox 4">
+            <a:extLst>
+              <a:ext uri="{FF2B5EF4-FFF2-40B4-BE49-F238E27FC236}">
+                <a16:creationId xmlns:a16="http://schemas.microsoft.com/office/drawing/2014/main" id="{4252438B-013D-34D4-544D-A35421E2F4A9}"/>
+              </a:ext>
+            </a:extLst>
+          </p:cNvPr>
+          <p:cNvSpPr txBox="1"/>
+          <p:nvPr/>
+        </p:nvSpPr>
+        <p:spPr>
+          <a:xfrm>
+            <a:off x="2827293" y="6610178"/>
+            <a:ext cx="19880307" cy="3908762"/>
+          </a:xfrm>
+          <a:prstGeom prst="rect">
+            <a:avLst/>
+          </a:prstGeom>
+          <a:noFill/>
+        </p:spPr>
+        <p:txBody>
+          <a:bodyPr wrap="square" lIns="0" tIns="0" rIns="0" bIns="0" rtlCol="0">
+            <a:spAutoFit/>
+          </a:bodyPr>
+          <a:lstStyle/>
+          <a:p>
+            <a:pPr>
+              <a:spcAft>
+                <a:spcPts val="3600"/>
+              </a:spcAft>
+            </a:pPr>
+            <a:r>
+              <a:rPr lang="pl-PL" sz="3200" dirty="0">
+                <a:solidFill>
+                  <a:schemeClr val="bg1"/>
+                </a:solidFill>
+                <a:latin typeface="+mj-lt"/>
+                <a:cs typeface="Poppins" panose="02000000000000000000" pitchFamily="2" charset="0"/>
+              </a:rPr>
+              <a:t>Poza użyciem wskaźnika precyzji predykcji wykorzystano typową metodę oceny wykrywania i rozpoznawania znaków, tj. użycie zbioru testowego i ocena każdego zdjęcia z osobna. W trakcie prac nad modelem oprócz detekcji znaku dodano również jego rozpoznawanie, a więc w teście sprawdzano, czy jedynie znaki A-7 posiadają swój </a:t>
+            </a:r>
+            <a:r>
+              <a:rPr lang="pl-PL" sz="3200" dirty="0" err="1">
+                <a:solidFill>
+                  <a:schemeClr val="bg1"/>
+                </a:solidFill>
+                <a:latin typeface="+mj-lt"/>
+                <a:cs typeface="Poppins" panose="02000000000000000000" pitchFamily="2" charset="0"/>
+              </a:rPr>
+              <a:t>bounding-box</a:t>
+            </a:r>
+            <a:r>
+              <a:rPr lang="pl-PL" sz="3200" dirty="0">
+                <a:solidFill>
+                  <a:schemeClr val="bg1"/>
+                </a:solidFill>
+                <a:latin typeface="+mj-lt"/>
+                <a:cs typeface="Poppins" panose="02000000000000000000" pitchFamily="2" charset="0"/>
+              </a:rPr>
+              <a:t>. Do przygotowanego wcześniej zbioru testowego dołożono dwa zdjęcia testowe od Prowadzącego takie, że na jednym zdjęciu znajdował się jeden znak A-7 oraz jeden inny znak, natomiast na drugim zdjęciu znajdowały się dwa znaki inne niż znak A-7.</a:t>
+            </a:r>
+          </a:p>
+          <a:p>
+            <a:pPr>
+              <a:spcAft>
+                <a:spcPts val="3600"/>
+              </a:spcAft>
+            </a:pPr>
+            <a:r>
+              <a:rPr lang="pl-PL" sz="3200" dirty="0">
+                <a:solidFill>
+                  <a:schemeClr val="bg1"/>
+                </a:solidFill>
+                <a:latin typeface="+mj-lt"/>
+                <a:cs typeface="Poppins" panose="02000000000000000000" pitchFamily="2" charset="0"/>
+              </a:rPr>
+              <a:t>Model YOLO prawidłowo wykrył i rozpoznał znaki dla wszystkich zdjęć testowych, również zdjęć od Prowadzącego.</a:t>
+            </a:r>
+          </a:p>
+        </p:txBody>
+      </p:sp>
+    </p:spTree>
+    <p:extLst>
+      <p:ext uri="{BB962C8B-B14F-4D97-AF65-F5344CB8AC3E}">
+        <p14:creationId xmlns:p14="http://schemas.microsoft.com/office/powerpoint/2010/main" val="1183260986"/>
+      </p:ext>
+    </p:extLst>
+  </p:cSld>
+  <p:clrMapOvr>
+    <a:masterClrMapping/>
+  </p:clrMapOvr>
+  <mc:AlternateContent xmlns:mc="http://schemas.openxmlformats.org/markup-compatibility/2006">
+    <mc:Choice xmlns:p14="http://schemas.microsoft.com/office/powerpoint/2010/main" Requires="p14">
+      <p:transition p14:dur="10"/>
+    </mc:Choice>
+    <mc:Fallback>
+      <p:transition/>
+    </mc:Fallback>
+  </mc:AlternateContent>
+</p:sld>
+</file>
+
+<file path=ppt/slides/slide25.xml><?xml version="1.0" encoding="utf-8"?>
+<p:sld xmlns:a="http://schemas.openxmlformats.org/drawingml/2006/main" xmlns:r="http://schemas.openxmlformats.org/officeDocument/2006/relationships" xmlns:p="http://schemas.openxmlformats.org/presentationml/2006/main" showMasterSp="0">
+  <p:cSld>
+    <p:bg>
+      <p:bgPr>
+        <a:blipFill dpi="0" rotWithShape="1">
+          <a:blip r:embed="rId2">
+            <a:lum/>
+          </a:blip>
+          <a:srcRect/>
+          <a:stretch>
+            <a:fillRect/>
+          </a:stretch>
+        </a:blipFill>
+        <a:effectLst/>
+      </p:bgPr>
+    </p:bg>
+    <p:spTree>
+      <p:nvGrpSpPr>
+        <p:cNvPr id="1" name="">
+          <a:extLst>
+            <a:ext uri="{FF2B5EF4-FFF2-40B4-BE49-F238E27FC236}">
+              <a16:creationId xmlns:a16="http://schemas.microsoft.com/office/drawing/2014/main" id="{17866C2E-286A-36F6-E439-8D6A89A1CE1E}"/>
+            </a:ext>
+          </a:extLst>
+        </p:cNvPr>
+        <p:cNvGrpSpPr/>
+        <p:nvPr/>
+      </p:nvGrpSpPr>
+      <p:grpSpPr>
+        <a:xfrm>
+          <a:off x="0" y="0"/>
+          <a:ext cx="0" cy="0"/>
+          <a:chOff x="0" y="0"/>
+          <a:chExt cx="0" cy="0"/>
+        </a:xfrm>
+      </p:grpSpPr>
+      <p:sp>
+        <p:nvSpPr>
+          <p:cNvPr id="2" name="TextBox 1">
+            <a:extLst>
+              <a:ext uri="{FF2B5EF4-FFF2-40B4-BE49-F238E27FC236}">
+                <a16:creationId xmlns:a16="http://schemas.microsoft.com/office/drawing/2014/main" id="{714A2D44-EBD0-2440-BB09-BC71ED93A44F}"/>
+              </a:ext>
+            </a:extLst>
+          </p:cNvPr>
+          <p:cNvSpPr txBox="1"/>
+          <p:nvPr/>
+        </p:nvSpPr>
+        <p:spPr>
+          <a:xfrm>
+            <a:off x="2827292" y="433469"/>
+            <a:ext cx="15759646" cy="1107996"/>
+          </a:xfrm>
+          <a:prstGeom prst="rect">
+            <a:avLst/>
+          </a:prstGeom>
+          <a:noFill/>
+        </p:spPr>
+        <p:txBody>
+          <a:bodyPr wrap="square" lIns="0" tIns="0" rIns="0" bIns="0" rtlCol="0">
+            <a:spAutoFit/>
+          </a:bodyPr>
+          <a:lstStyle/>
+          <a:p>
+            <a:r>
+              <a:rPr lang="pl-PL" sz="7200" b="1" dirty="0">
+                <a:solidFill>
+                  <a:schemeClr val="bg1"/>
+                </a:solidFill>
+                <a:cs typeface="Poppins SemiBold" panose="02000000000000000000" pitchFamily="2" charset="0"/>
+              </a:rPr>
+              <a:t>Wyniki YOLOv2</a:t>
+            </a:r>
+            <a:endParaRPr lang="en-US" sz="7200" b="1" dirty="0">
+              <a:solidFill>
+                <a:schemeClr val="bg1"/>
+              </a:solidFill>
+              <a:cs typeface="Poppins SemiBold" panose="02000000000000000000" pitchFamily="2" charset="0"/>
+            </a:endParaRPr>
+          </a:p>
+        </p:txBody>
+      </p:sp>
+      <p:cxnSp>
+        <p:nvCxnSpPr>
+          <p:cNvPr id="4" name="Straight Connector 3">
+            <a:extLst>
+              <a:ext uri="{FF2B5EF4-FFF2-40B4-BE49-F238E27FC236}">
+                <a16:creationId xmlns:a16="http://schemas.microsoft.com/office/drawing/2014/main" id="{F92D3137-2752-D718-4B26-FEB6A9807B8D}"/>
+              </a:ext>
+            </a:extLst>
+          </p:cNvPr>
+          <p:cNvCxnSpPr/>
+          <p:nvPr/>
+        </p:nvCxnSpPr>
+        <p:spPr>
+          <a:xfrm flipH="1">
+            <a:off x="0" y="1007891"/>
+            <a:ext cx="1674813" cy="0"/>
+          </a:xfrm>
+          <a:prstGeom prst="line">
+            <a:avLst/>
+          </a:prstGeom>
+          <a:ln w="76200">
+            <a:solidFill>
+              <a:srgbClr val="FBBA00"/>
+            </a:solidFill>
+          </a:ln>
+        </p:spPr>
+        <p:style>
+          <a:lnRef idx="1">
+            <a:schemeClr val="accent1"/>
+          </a:lnRef>
+          <a:fillRef idx="0">
+            <a:schemeClr val="accent1"/>
+          </a:fillRef>
+          <a:effectRef idx="0">
+            <a:schemeClr val="accent1"/>
+          </a:effectRef>
+          <a:fontRef idx="minor">
+            <a:schemeClr val="tx1"/>
+          </a:fontRef>
+        </p:style>
+      </p:cxnSp>
+      <p:pic>
+        <p:nvPicPr>
+          <p:cNvPr id="3" name="Obraz 2" descr="Obraz zawierający tekst, na wolnym powietrzu, niebo, drzewo&#10;&#10;Opis wygenerowany automatycznie">
+            <a:extLst>
+              <a:ext uri="{FF2B5EF4-FFF2-40B4-BE49-F238E27FC236}">
+                <a16:creationId xmlns:a16="http://schemas.microsoft.com/office/drawing/2014/main" id="{BC89FB36-D75D-C10C-78AC-E5104D71ECE8}"/>
+              </a:ext>
+            </a:extLst>
+          </p:cNvPr>
+          <p:cNvPicPr>
+            <a:picLocks noChangeAspect="1"/>
+          </p:cNvPicPr>
+          <p:nvPr/>
+        </p:nvPicPr>
+        <p:blipFill>
+          <a:blip r:embed="rId3">
+            <a:extLst>
+              <a:ext uri="{28A0092B-C50C-407E-A947-70E740481C1C}">
+                <a14:useLocalDpi xmlns:a14="http://schemas.microsoft.com/office/drawing/2010/main" val="0"/>
+              </a:ext>
+            </a:extLst>
+          </a:blip>
+          <a:stretch>
+            <a:fillRect/>
+          </a:stretch>
+        </p:blipFill>
+        <p:spPr>
+          <a:xfrm>
+            <a:off x="3456574" y="2629857"/>
+            <a:ext cx="8456285" cy="8437441"/>
+          </a:xfrm>
+          <a:prstGeom prst="rect">
+            <a:avLst/>
+          </a:prstGeom>
+        </p:spPr>
+      </p:pic>
+      <p:pic>
+        <p:nvPicPr>
+          <p:cNvPr id="6" name="Obraz 5" descr="Obraz zawierający na wolnym powietrzu, niebo, Znak drogowy, chmura&#10;&#10;Opis wygenerowany automatycznie">
+            <a:extLst>
+              <a:ext uri="{FF2B5EF4-FFF2-40B4-BE49-F238E27FC236}">
+                <a16:creationId xmlns:a16="http://schemas.microsoft.com/office/drawing/2014/main" id="{D52F545B-45B6-E552-5833-603674DE82D2}"/>
+              </a:ext>
+            </a:extLst>
+          </p:cNvPr>
+          <p:cNvPicPr>
+            <a:picLocks noChangeAspect="1"/>
+          </p:cNvPicPr>
+          <p:nvPr/>
+        </p:nvPicPr>
+        <p:blipFill>
+          <a:blip r:embed="rId4">
+            <a:extLst>
+              <a:ext uri="{28A0092B-C50C-407E-A947-70E740481C1C}">
+                <a14:useLocalDpi xmlns:a14="http://schemas.microsoft.com/office/drawing/2010/main" val="0"/>
+              </a:ext>
+            </a:extLst>
+          </a:blip>
+          <a:stretch>
+            <a:fillRect/>
+          </a:stretch>
+        </p:blipFill>
+        <p:spPr>
+          <a:xfrm>
+            <a:off x="12192000" y="2629857"/>
+            <a:ext cx="8456285" cy="8456285"/>
+          </a:xfrm>
+          <a:prstGeom prst="rect">
+            <a:avLst/>
+          </a:prstGeom>
+        </p:spPr>
+      </p:pic>
+    </p:spTree>
+    <p:extLst>
+      <p:ext uri="{BB962C8B-B14F-4D97-AF65-F5344CB8AC3E}">
+        <p14:creationId xmlns:p14="http://schemas.microsoft.com/office/powerpoint/2010/main" val="377812049"/>
+      </p:ext>
+    </p:extLst>
+  </p:cSld>
+  <p:clrMapOvr>
+    <a:masterClrMapping/>
+  </p:clrMapOvr>
+  <mc:AlternateContent xmlns:mc="http://schemas.openxmlformats.org/markup-compatibility/2006">
+    <mc:Choice xmlns:p14="http://schemas.microsoft.com/office/powerpoint/2010/main" Requires="p14">
+      <p:transition p14:dur="10"/>
+    </mc:Choice>
+    <mc:Fallback>
       <p:transition/>
     </mc:Fallback>
   </mc:AlternateContent>
@@ -13179,7 +15242,27 @@
                 <a:latin typeface="+mj-lt"/>
                 <a:cs typeface="Poppins" panose="02000000000000000000" pitchFamily="2" charset="0"/>
               </a:rPr>
-              <a:t>Ze względu na możliwość użycia jednego z dwóch zbiorów danych oraz złożoności projektu, prace rozpoczęto od przygotowania sieci do rozpoznawania znaków. Zbiór ten składał się ze zdjęć wyłącznie pojedynczych znaków drogowych o niskiej rozdzielczości. Opracowano sieć o dwunastu warstwach oraz przygotowano zbiór danych tak, że ujednolicono ich rozmiar oraz wymieszano zdjęcia, aby osiągnąć jak najlepszą generalizację procesu uczenia.</a:t>
+              <a:t>Ze względu na możliwość użycia jednego z dwóch zbiorów danych oraz złożoności projektu, prace rozpoczęto od przygotowania sieci do rozpoznawania znaków. Zbiór ten składał się ze zdjęć wyłącznie pojedynczych znaków drogowych o</a:t>
+            </a:r>
+            <a:r>
+              <a:rPr lang="pl-PL" sz="3200" dirty="0">
+                <a:solidFill>
+                  <a:schemeClr val="bg1"/>
+                </a:solidFill>
+                <a:latin typeface="Calibri" panose="020F0502020204030204" pitchFamily="34" charset="0"/>
+                <a:cs typeface="Calibri" panose="020F0502020204030204" pitchFamily="34" charset="0"/>
+              </a:rPr>
+              <a:t> </a:t>
+            </a:r>
+            <a:r>
+              <a:rPr lang="pl-PL" sz="3200" dirty="0">
+                <a:solidFill>
+                  <a:schemeClr val="bg1"/>
+                </a:solidFill>
+                <a:latin typeface="+mj-lt"/>
+                <a:cs typeface="Poppins" panose="02000000000000000000" pitchFamily="2" charset="0"/>
+              </a:rPr>
+              <a:t>niskiej rozdzielczości. Opracowano sieć o dwunastu warstwach oraz przygotowano zbiór danych tak, że ujednolicono ich rozmiar oraz wymieszano zdjęcia, aby osiągnąć jak najlepszą generalizację procesu uczenia.</a:t>
             </a:r>
           </a:p>
         </p:txBody>
